--- a/tex/rc/figures.pptx
+++ b/tex/rc/figures.pptx
@@ -8,6 +8,8 @@
     <p:sldId id="256" r:id="rId3"/>
     <p:sldId id="257" r:id="rId4"/>
     <p:sldId id="258" r:id="rId5"/>
+    <p:sldId id="259" r:id="rId6"/>
+    <p:sldId id="260" r:id="rId7"/>
   </p:sldIdLst>
   <p:sldSz cx="12192000" cy="6858000"/>
   <p:notesSz cx="7772400" cy="10058400"/>
@@ -3141,7 +3143,7 @@
               </a:lnSpc>
             </a:pPr>
             <a:r>
-              <a:rPr lang="" altLang="en-US" sz="1800" b="0" strike="noStrike" spc="-1">
+              <a:rPr lang="en-US" altLang="en-US" sz="1800" b="0" strike="noStrike" spc="-1">
                 <a:solidFill>
                   <a:srgbClr val="000000"/>
                 </a:solidFill>
@@ -3178,7 +3180,7 @@
               <a:t>)</a:t>
             </a:r>
             <a:r>
-              <a:rPr lang="" altLang="en-US" sz="1800" b="0" strike="noStrike" spc="-1">
+              <a:rPr lang="en-US" altLang="en-US" sz="1800" b="0" strike="noStrike" spc="-1">
                 <a:solidFill>
                   <a:srgbClr val="000000"/>
                 </a:solidFill>
@@ -3198,7 +3200,7 @@
               <a:t>β </a:t>
             </a:r>
             <a:r>
-              <a:rPr lang="" altLang="en-US" i="1" spc="-1">
+              <a:rPr lang="en-US" altLang="en-US" i="1" spc="-1">
                 <a:solidFill>
                   <a:srgbClr val="000000"/>
                 </a:solidFill>
@@ -3219,7 +3221,7 @@
               </a:rPr>
               <a:t>λ</a:t>
             </a:r>
-            <a:endParaRPr lang="" altLang="en-US" sz="1800" b="0" i="1" strike="noStrike" spc="-1">
+            <a:endParaRPr lang="en-US" altLang="en-US" sz="1800" b="0" i="1" strike="noStrike" spc="-1">
               <a:solidFill>
                 <a:srgbClr val="000000"/>
               </a:solidFill>
@@ -3302,7 +3304,7 @@
               </a:lnSpc>
             </a:pPr>
             <a:r>
-              <a:rPr lang="" altLang="en-US" sz="1800" b="0" strike="noStrike" spc="-1">
+              <a:rPr lang="en-US" altLang="en-US" sz="1800" b="0" strike="noStrike" spc="-1">
                 <a:solidFill>
                   <a:srgbClr val="000000"/>
                 </a:solidFill>
@@ -3358,7 +3360,7 @@
               <a:t>)</a:t>
             </a:r>
             <a:r>
-              <a:rPr lang="" altLang="en-US" sz="1800" b="0" strike="noStrike" spc="-1">
+              <a:rPr lang="en-US" altLang="en-US" sz="1800" b="0" strike="noStrike" spc="-1">
                 <a:solidFill>
                   <a:srgbClr val="000000"/>
                 </a:solidFill>
@@ -3378,7 +3380,7 @@
               <a:t>α </a:t>
             </a:r>
             <a:r>
-              <a:rPr lang="" altLang="en-US" i="1" spc="-1">
+              <a:rPr lang="en-US" altLang="en-US" i="1" spc="-1">
                 <a:solidFill>
                   <a:srgbClr val="000000"/>
                 </a:solidFill>
@@ -3400,7 +3402,7 @@
               <a:t>β </a:t>
             </a:r>
             <a:r>
-              <a:rPr lang="" altLang="en-US" i="1" spc="-1">
+              <a:rPr lang="en-US" altLang="en-US" i="1" spc="-1">
                 <a:solidFill>
                   <a:srgbClr val="000000"/>
                 </a:solidFill>
@@ -3421,7 +3423,7 @@
               </a:rPr>
               <a:t>λ</a:t>
             </a:r>
-            <a:endParaRPr lang="" altLang="en-US" sz="1800" b="0" i="1" strike="noStrike" spc="-1">
+            <a:endParaRPr lang="en-US" altLang="en-US" sz="1800" b="0" i="1" strike="noStrike" spc="-1">
               <a:solidFill>
                 <a:srgbClr val="000000"/>
               </a:solidFill>
@@ -3506,12 +3508,12 @@
               </a:lnSpc>
             </a:pPr>
             <a:r>
-              <a:rPr lang="" altLang="en-US" sz="1800" b="0" strike="noStrike" spc="-1">
+              <a:rPr lang="en-US" altLang="en-US" sz="1800" b="0" strike="noStrike" spc="-1">
                 <a:latin typeface="Arial"/>
               </a:rPr>
               <a:t>time between successive arrivals</a:t>
             </a:r>
-            <a:endParaRPr lang="" altLang="en-US" sz="1800" b="0" strike="noStrike" spc="-1">
+            <a:endParaRPr lang="en-US" altLang="en-US" sz="1800" b="0" strike="noStrike" spc="-1">
               <a:latin typeface="Arial"/>
             </a:endParaRPr>
           </a:p>
@@ -3555,7 +3557,7 @@
               </a:lnSpc>
             </a:pPr>
             <a:r>
-              <a:rPr lang="" altLang="en-US" sz="1800" b="0" strike="noStrike" spc="-1">
+              <a:rPr lang="en-US" altLang="en-US" sz="1800" b="0" strike="noStrike" spc="-1">
                 <a:solidFill>
                   <a:srgbClr val="000000"/>
                 </a:solidFill>
@@ -3654,17 +3656,17 @@
                 <a:cs typeface="+mn-lt"/>
                 <a:sym typeface="+mn-ea"/>
               </a:rPr>
-              <a:t>= γ</a:t>
-            </a:r>
-            <a:r>
-              <a:rPr lang="" altLang="en-US" i="1" spc="-1">
+              <a:t>= γ/2, </a:t>
+            </a:r>
+            <a:r>
+              <a:rPr lang="en-US" i="1" spc="-1">
                 <a:solidFill>
                   <a:srgbClr val="000000"/>
                 </a:solidFill>
                 <a:cs typeface="+mn-lt"/>
                 <a:sym typeface="+mn-ea"/>
               </a:rPr>
-              <a:t>/2</a:t>
+              <a:t>β </a:t>
             </a:r>
             <a:r>
               <a:rPr lang="en-US" altLang="en-US" i="1" spc="-1">
@@ -3674,39 +3676,9 @@
                 <a:cs typeface="+mn-lt"/>
                 <a:sym typeface="+mn-ea"/>
               </a:rPr>
-              <a:t>, </a:t>
-            </a:r>
-            <a:r>
-              <a:rPr lang="en-US" i="1" spc="-1">
-                <a:solidFill>
-                  <a:srgbClr val="000000"/>
-                </a:solidFill>
-                <a:cs typeface="+mn-lt"/>
-                <a:sym typeface="+mn-ea"/>
-              </a:rPr>
-              <a:t>β </a:t>
-            </a:r>
-            <a:r>
-              <a:rPr lang="en-US" altLang="en-US" i="1" spc="-1">
-                <a:solidFill>
-                  <a:srgbClr val="000000"/>
-                </a:solidFill>
-                <a:cs typeface="+mn-lt"/>
-                <a:sym typeface="+mn-ea"/>
-              </a:rPr>
-              <a:t>= </a:t>
-            </a:r>
-            <a:r>
-              <a:rPr lang="" altLang="en-US" i="1" spc="-1">
-                <a:solidFill>
-                  <a:srgbClr val="000000"/>
-                </a:solidFill>
-                <a:cs typeface="+mn-lt"/>
-                <a:sym typeface="+mn-ea"/>
-              </a:rPr>
-              <a:t>1/2</a:t>
-            </a:r>
-            <a:endParaRPr lang="" altLang="en-US" sz="1800" b="0" i="1" strike="noStrike" spc="-1">
+              <a:t>= 1/2</a:t>
+            </a:r>
+            <a:endParaRPr lang="en-US" altLang="en-US" sz="1800" b="0" i="1" strike="noStrike" spc="-1">
               <a:solidFill>
                 <a:srgbClr val="000000"/>
               </a:solidFill>
@@ -3759,27 +3731,21 @@
               <a:rPr lang="en-US" altLang="en-US" sz="1800" b="0" strike="noStrike" spc="-1">
                 <a:latin typeface="Arial"/>
               </a:rPr>
-              <a:t>time </a:t>
-            </a:r>
-            <a:r>
-              <a:rPr lang="" altLang="en-US" sz="1800" b="0" strike="noStrike" spc="-1">
+              <a:t>time needed for next </a:t>
+            </a:r>
+            <a:r>
+              <a:rPr lang="en-US" altLang="en-US" sz="1800" b="0" i="1" strike="noStrike" spc="-1">
                 <a:latin typeface="Arial"/>
               </a:rPr>
-              <a:t>needed for next </a:t>
-            </a:r>
-            <a:r>
-              <a:rPr lang="" altLang="en-US" sz="1800" b="0" i="1" strike="noStrike" spc="-1">
+              <a:t>r</a:t>
+            </a:r>
+            <a:r>
+              <a:rPr lang="en-US" altLang="en-US" sz="1800" b="0" strike="noStrike" spc="-1">
                 <a:latin typeface="Arial"/>
               </a:rPr>
-              <a:t>r</a:t>
-            </a:r>
-            <a:r>
-              <a:rPr lang="" altLang="en-US" sz="1800" b="0" strike="noStrike" spc="-1">
-                <a:latin typeface="Arial"/>
-              </a:rPr>
               <a:t> arrivals</a:t>
             </a:r>
-            <a:endParaRPr lang="" altLang="en-US" sz="1800" b="0" strike="noStrike" spc="-1">
+            <a:endParaRPr lang="en-US" altLang="en-US" sz="1800" b="0" strike="noStrike" spc="-1">
               <a:latin typeface="Arial"/>
             </a:endParaRPr>
           </a:p>
@@ -3919,7 +3885,7 @@
           <a:bodyPr rtlCol="0" anchor="ctr"/>
           <a:p>
             <a:pPr algn="ctr"/>
-            <a:endParaRPr lang="" altLang="en-US"/>
+            <a:endParaRPr lang="en-US" altLang="en-US"/>
           </a:p>
         </p:txBody>
       </p:sp>
@@ -3956,7 +3922,7 @@
           <a:bodyPr rtlCol="0" anchor="ctr"/>
           <a:p>
             <a:pPr algn="ctr"/>
-            <a:endParaRPr lang="" altLang="en-US"/>
+            <a:endParaRPr lang="en-US" altLang="en-US"/>
           </a:p>
         </p:txBody>
       </p:sp>
@@ -3983,10 +3949,10 @@
           <a:p>
             <a:pPr algn="ctr"/>
             <a:r>
-              <a:rPr lang="" altLang="en-US"/>
+              <a:rPr lang="en-US" altLang="en-US"/>
               <a:t>aircraft</a:t>
             </a:r>
-            <a:endParaRPr lang="" altLang="en-US"/>
+            <a:endParaRPr lang="en-US" altLang="en-US"/>
           </a:p>
         </p:txBody>
       </p:sp>
@@ -4013,10 +3979,10 @@
           <a:p>
             <a:pPr algn="ctr"/>
             <a:r>
-              <a:rPr lang="" altLang="en-US"/>
+              <a:rPr lang="en-US" altLang="en-US"/>
               <a:t>store</a:t>
             </a:r>
-            <a:endParaRPr lang="" altLang="en-US"/>
+            <a:endParaRPr lang="en-US" altLang="en-US"/>
           </a:p>
         </p:txBody>
       </p:sp>
@@ -4163,10 +4129,10 @@
           <a:p>
             <a:pPr algn="ctr"/>
             <a:r>
-              <a:rPr lang="" altLang="en-US"/>
+              <a:rPr lang="en-US" altLang="en-US"/>
               <a:t>...</a:t>
             </a:r>
-            <a:endParaRPr lang="" altLang="en-US"/>
+            <a:endParaRPr lang="en-US" altLang="en-US"/>
           </a:p>
         </p:txBody>
       </p:sp>
@@ -5469,10 +5435,10 @@
           <a:p>
             <a:pPr algn="ctr"/>
             <a:r>
-              <a:rPr lang="" altLang="en-US"/>
+              <a:rPr lang="en-US" altLang="en-US"/>
               <a:t>repair</a:t>
             </a:r>
-            <a:endParaRPr lang="" altLang="en-US"/>
+            <a:endParaRPr lang="en-US" altLang="en-US"/>
           </a:p>
         </p:txBody>
       </p:sp>
@@ -5855,10 +5821,10 @@
           <a:p>
             <a:pPr algn="ctr"/>
             <a:r>
-              <a:rPr lang="" altLang="en-US" i="1"/>
+              <a:rPr lang="en-US" altLang="en-US" i="1"/>
               <a:t>t</a:t>
             </a:r>
-            <a:endParaRPr lang="" altLang="en-US" i="1"/>
+            <a:endParaRPr lang="en-US" altLang="en-US" i="1"/>
           </a:p>
         </p:txBody>
       </p:sp>
@@ -5885,14 +5851,14 @@
           <a:p>
             <a:pPr algn="ctr"/>
             <a:r>
-              <a:rPr lang="" altLang="en-US">
+              <a:rPr lang="en-US" altLang="en-US">
                 <a:solidFill>
                   <a:srgbClr val="C00000"/>
                 </a:solidFill>
               </a:rPr>
               <a:t>#. of stored?</a:t>
             </a:r>
-            <a:endParaRPr lang="" altLang="en-US">
+            <a:endParaRPr lang="en-US" altLang="en-US">
               <a:solidFill>
                 <a:srgbClr val="C00000"/>
               </a:solidFill>
@@ -6017,14 +5983,14 @@
           <a:p>
             <a:pPr algn="ctr"/>
             <a:r>
-              <a:rPr lang="" altLang="en-US">
+              <a:rPr lang="en-US" altLang="en-US">
                 <a:solidFill>
                   <a:srgbClr val="C00000"/>
                 </a:solidFill>
               </a:rPr>
               <a:t>lead time</a:t>
             </a:r>
-            <a:endParaRPr lang="" altLang="en-US">
+            <a:endParaRPr lang="en-US" altLang="en-US">
               <a:solidFill>
                 <a:srgbClr val="C00000"/>
               </a:solidFill>
@@ -6055,14 +6021,14 @@
           <a:p>
             <a:pPr algn="ctr"/>
             <a:r>
-              <a:rPr lang="" altLang="en-US">
+              <a:rPr lang="en-US" altLang="en-US">
                 <a:solidFill>
                   <a:srgbClr val="C00000"/>
                 </a:solidFill>
               </a:rPr>
               <a:t>demand</a:t>
             </a:r>
-            <a:endParaRPr lang="" altLang="en-US">
+            <a:endParaRPr lang="en-US" altLang="en-US">
               <a:solidFill>
                 <a:srgbClr val="C00000"/>
               </a:solidFill>
@@ -6082,6 +6048,628 @@
       </p:par>
     </p:tnLst>
   </p:timing>
+</p:sld>
+</file>
+
+<file path=ppt/slides/slide4.xml><?xml version="1.0" encoding="utf-8"?>
+<p:sld xmlns:a="http://schemas.openxmlformats.org/drawingml/2006/main" xmlns:r="http://schemas.openxmlformats.org/officeDocument/2006/relationships" xmlns:p="http://schemas.openxmlformats.org/presentationml/2006/main">
+  <p:cSld>
+    <p:spTree>
+      <p:nvGrpSpPr>
+        <p:cNvPr id="1" name=""/>
+        <p:cNvGrpSpPr/>
+        <p:nvPr/>
+      </p:nvGrpSpPr>
+      <p:grpSpPr/>
+      <p:pic>
+        <p:nvPicPr>
+          <p:cNvPr id="4" name="Picture 3" descr="rc4fig1"/>
+          <p:cNvPicPr>
+            <a:picLocks noChangeAspect="1"/>
+          </p:cNvPicPr>
+          <p:nvPr/>
+        </p:nvPicPr>
+        <p:blipFill>
+          <a:blip r:embed="rId1"/>
+          <a:stretch>
+            <a:fillRect/>
+          </a:stretch>
+        </p:blipFill>
+        <p:spPr>
+          <a:xfrm>
+            <a:off x="4445" y="1369060"/>
+            <a:ext cx="12200255" cy="3847465"/>
+          </a:xfrm>
+          <a:prstGeom prst="rect">
+            <a:avLst/>
+          </a:prstGeom>
+        </p:spPr>
+      </p:pic>
+      <p:sp>
+        <p:nvSpPr>
+          <p:cNvPr id="6" name="Rounded Rectangle 5"/>
+          <p:cNvSpPr/>
+          <p:nvPr/>
+        </p:nvSpPr>
+        <p:spPr>
+          <a:xfrm>
+            <a:off x="551180" y="1772920"/>
+            <a:ext cx="432435" cy="2807970"/>
+          </a:xfrm>
+          <a:prstGeom prst="roundRect">
+            <a:avLst/>
+          </a:prstGeom>
+          <a:noFill/>
+          <a:ln>
+            <a:solidFill>
+              <a:srgbClr val="C00000"/>
+            </a:solidFill>
+          </a:ln>
+          <a:extLst>
+            <a:ext uri="{909E8E84-426E-40DD-AFC4-6F175D3DCCD1}">
+              <a14:hiddenFill xmlns:a14="http://schemas.microsoft.com/office/drawing/2010/main">
+                <a:solidFill>
+                  <a:schemeClr val="accent1"/>
+                </a:solidFill>
+              </a14:hiddenFill>
+            </a:ext>
+          </a:extLst>
+        </p:spPr>
+        <p:style>
+          <a:lnRef idx="2">
+            <a:schemeClr val="accent1">
+              <a:shade val="50000"/>
+            </a:schemeClr>
+          </a:lnRef>
+          <a:fillRef idx="1">
+            <a:schemeClr val="accent1"/>
+          </a:fillRef>
+          <a:effectRef idx="0">
+            <a:schemeClr val="accent1"/>
+          </a:effectRef>
+          <a:fontRef idx="minor">
+            <a:schemeClr val="lt1"/>
+          </a:fontRef>
+        </p:style>
+        <p:txBody>
+          <a:bodyPr rtlCol="0" anchor="ctr"/>
+          <a:p>
+            <a:pPr algn="ctr"/>
+            <a:endParaRPr lang="en-US"/>
+          </a:p>
+        </p:txBody>
+      </p:sp>
+      <p:sp>
+        <p:nvSpPr>
+          <p:cNvPr id="7" name="Rounded Rectangle 6"/>
+          <p:cNvSpPr/>
+          <p:nvPr/>
+        </p:nvSpPr>
+        <p:spPr>
+          <a:xfrm>
+            <a:off x="99695" y="4741545"/>
+            <a:ext cx="3006090" cy="379730"/>
+          </a:xfrm>
+          <a:prstGeom prst="roundRect">
+            <a:avLst/>
+          </a:prstGeom>
+          <a:noFill/>
+          <a:ln>
+            <a:solidFill>
+              <a:srgbClr val="C00000"/>
+            </a:solidFill>
+          </a:ln>
+          <a:extLst>
+            <a:ext uri="{909E8E84-426E-40DD-AFC4-6F175D3DCCD1}">
+              <a14:hiddenFill xmlns:a14="http://schemas.microsoft.com/office/drawing/2010/main">
+                <a:solidFill>
+                  <a:schemeClr val="accent1"/>
+                </a:solidFill>
+              </a14:hiddenFill>
+            </a:ext>
+          </a:extLst>
+        </p:spPr>
+        <p:style>
+          <a:lnRef idx="2">
+            <a:schemeClr val="accent1">
+              <a:shade val="50000"/>
+            </a:schemeClr>
+          </a:lnRef>
+          <a:fillRef idx="1">
+            <a:schemeClr val="accent1"/>
+          </a:fillRef>
+          <a:effectRef idx="0">
+            <a:schemeClr val="accent1"/>
+          </a:effectRef>
+          <a:fontRef idx="minor">
+            <a:schemeClr val="lt1"/>
+          </a:fontRef>
+        </p:style>
+        <p:txBody>
+          <a:bodyPr rtlCol="0" anchor="ctr"/>
+          <a:p>
+            <a:pPr algn="ctr"/>
+            <a:endParaRPr lang="en-US"/>
+          </a:p>
+        </p:txBody>
+      </p:sp>
+    </p:spTree>
+  </p:cSld>
+  <p:clrMapOvr>
+    <a:masterClrMapping/>
+  </p:clrMapOvr>
+</p:sld>
+</file>
+
+<file path=ppt/slides/slide5.xml><?xml version="1.0" encoding="utf-8"?>
+<p:sld xmlns:a="http://schemas.openxmlformats.org/drawingml/2006/main" xmlns:r="http://schemas.openxmlformats.org/officeDocument/2006/relationships" xmlns:p="http://schemas.openxmlformats.org/presentationml/2006/main">
+  <p:cSld>
+    <p:spTree>
+      <p:nvGrpSpPr>
+        <p:cNvPr id="1" name=""/>
+        <p:cNvGrpSpPr/>
+        <p:nvPr/>
+      </p:nvGrpSpPr>
+      <p:grpSpPr/>
+      <p:sp>
+        <p:nvSpPr>
+          <p:cNvPr id="7" name="Rounded Rectangle 6"/>
+          <p:cNvSpPr/>
+          <p:nvPr/>
+        </p:nvSpPr>
+        <p:spPr>
+          <a:xfrm>
+            <a:off x="880745" y="1788160"/>
+            <a:ext cx="574675" cy="348615"/>
+          </a:xfrm>
+          <a:prstGeom prst="roundRect">
+            <a:avLst/>
+          </a:prstGeom>
+          <a:noFill/>
+          <a:ln>
+            <a:solidFill>
+              <a:srgbClr val="C00000"/>
+            </a:solidFill>
+          </a:ln>
+          <a:extLst>
+            <a:ext uri="{909E8E84-426E-40DD-AFC4-6F175D3DCCD1}">
+              <a14:hiddenFill xmlns:a14="http://schemas.microsoft.com/office/drawing/2010/main">
+                <a:solidFill>
+                  <a:schemeClr val="accent1"/>
+                </a:solidFill>
+              </a14:hiddenFill>
+            </a:ext>
+          </a:extLst>
+        </p:spPr>
+        <p:style>
+          <a:lnRef idx="2">
+            <a:schemeClr val="accent1">
+              <a:shade val="50000"/>
+            </a:schemeClr>
+          </a:lnRef>
+          <a:fillRef idx="1">
+            <a:schemeClr val="accent1"/>
+          </a:fillRef>
+          <a:effectRef idx="0">
+            <a:schemeClr val="accent1"/>
+          </a:effectRef>
+          <a:fontRef idx="minor">
+            <a:schemeClr val="lt1"/>
+          </a:fontRef>
+        </p:style>
+        <p:txBody>
+          <a:bodyPr rtlCol="0" anchor="ctr"/>
+          <a:p>
+            <a:pPr algn="ctr"/>
+            <a:r>
+              <a:rPr lang="" altLang="en-US">
+                <a:solidFill>
+                  <a:schemeClr val="tx1"/>
+                </a:solidFill>
+              </a:rPr>
+              <a:t>a1</a:t>
+            </a:r>
+            <a:endParaRPr lang="" altLang="en-US">
+              <a:solidFill>
+                <a:schemeClr val="tx1"/>
+              </a:solidFill>
+            </a:endParaRPr>
+          </a:p>
+        </p:txBody>
+      </p:sp>
+      <p:pic>
+        <p:nvPicPr>
+          <p:cNvPr id="2" name="Picture 1"/>
+          <p:cNvPicPr>
+            <a:picLocks noChangeAspect="1"/>
+          </p:cNvPicPr>
+          <p:nvPr/>
+        </p:nvPicPr>
+        <p:blipFill>
+          <a:blip r:embed="rId1"/>
+          <a:stretch>
+            <a:fillRect/>
+          </a:stretch>
+        </p:blipFill>
+        <p:spPr>
+          <a:xfrm>
+            <a:off x="99695" y="2247900"/>
+            <a:ext cx="11869420" cy="1998980"/>
+          </a:xfrm>
+          <a:prstGeom prst="rect">
+            <a:avLst/>
+          </a:prstGeom>
+        </p:spPr>
+      </p:pic>
+      <p:sp>
+        <p:nvSpPr>
+          <p:cNvPr id="3" name="Rounded Rectangle 2"/>
+          <p:cNvSpPr/>
+          <p:nvPr/>
+        </p:nvSpPr>
+        <p:spPr>
+          <a:xfrm>
+            <a:off x="5405755" y="4246880"/>
+            <a:ext cx="574675" cy="348615"/>
+          </a:xfrm>
+          <a:prstGeom prst="roundRect">
+            <a:avLst/>
+          </a:prstGeom>
+          <a:noFill/>
+          <a:ln>
+            <a:solidFill>
+              <a:srgbClr val="C00000"/>
+            </a:solidFill>
+          </a:ln>
+          <a:extLst>
+            <a:ext uri="{909E8E84-426E-40DD-AFC4-6F175D3DCCD1}">
+              <a14:hiddenFill xmlns:a14="http://schemas.microsoft.com/office/drawing/2010/main">
+                <a:solidFill>
+                  <a:schemeClr val="accent1"/>
+                </a:solidFill>
+              </a14:hiddenFill>
+            </a:ext>
+          </a:extLst>
+        </p:spPr>
+        <p:style>
+          <a:lnRef idx="2">
+            <a:schemeClr val="accent1">
+              <a:shade val="50000"/>
+            </a:schemeClr>
+          </a:lnRef>
+          <a:fillRef idx="1">
+            <a:schemeClr val="accent1"/>
+          </a:fillRef>
+          <a:effectRef idx="0">
+            <a:schemeClr val="accent1"/>
+          </a:effectRef>
+          <a:fontRef idx="minor">
+            <a:schemeClr val="lt1"/>
+          </a:fontRef>
+        </p:style>
+        <p:txBody>
+          <a:bodyPr rtlCol="0" anchor="ctr"/>
+          <a:p>
+            <a:pPr algn="ctr"/>
+            <a:r>
+              <a:rPr lang="en-US" altLang="en-US">
+                <a:solidFill>
+                  <a:schemeClr val="tx1"/>
+                </a:solidFill>
+              </a:rPr>
+              <a:t>a</a:t>
+            </a:r>
+            <a:r>
+              <a:rPr lang="" altLang="en-US">
+                <a:solidFill>
+                  <a:schemeClr val="tx1"/>
+                </a:solidFill>
+              </a:rPr>
+              <a:t>3</a:t>
+            </a:r>
+            <a:endParaRPr lang="" altLang="en-US">
+              <a:solidFill>
+                <a:schemeClr val="tx1"/>
+              </a:solidFill>
+            </a:endParaRPr>
+          </a:p>
+        </p:txBody>
+      </p:sp>
+      <p:cxnSp>
+        <p:nvCxnSpPr>
+          <p:cNvPr id="5" name="Straight Arrow Connector 4"/>
+          <p:cNvCxnSpPr>
+            <a:stCxn id="8" idx="0"/>
+            <a:endCxn id="7" idx="2"/>
+          </p:cNvCxnSpPr>
+          <p:nvPr/>
+        </p:nvCxnSpPr>
+        <p:spPr>
+          <a:xfrm flipV="1">
+            <a:off x="880745" y="2136775"/>
+            <a:ext cx="287655" cy="894080"/>
+          </a:xfrm>
+          <a:prstGeom prst="straightConnector1">
+            <a:avLst/>
+          </a:prstGeom>
+          <a:ln>
+            <a:solidFill>
+              <a:srgbClr val="C00000"/>
+            </a:solidFill>
+            <a:prstDash val="lgDash"/>
+            <a:tailEnd type="arrow"/>
+          </a:ln>
+        </p:spPr>
+        <p:style>
+          <a:lnRef idx="1">
+            <a:schemeClr val="accent1"/>
+          </a:lnRef>
+          <a:fillRef idx="0">
+            <a:schemeClr val="accent1"/>
+          </a:fillRef>
+          <a:effectRef idx="0">
+            <a:schemeClr val="accent1"/>
+          </a:effectRef>
+          <a:fontRef idx="minor">
+            <a:schemeClr val="tx1"/>
+          </a:fontRef>
+        </p:style>
+      </p:cxnSp>
+      <p:sp>
+        <p:nvSpPr>
+          <p:cNvPr id="8" name="Oval 7"/>
+          <p:cNvSpPr/>
+          <p:nvPr/>
+        </p:nvSpPr>
+        <p:spPr>
+          <a:xfrm>
+            <a:off x="664845" y="3030855"/>
+            <a:ext cx="431800" cy="432435"/>
+          </a:xfrm>
+          <a:prstGeom prst="ellipse">
+            <a:avLst/>
+          </a:prstGeom>
+          <a:noFill/>
+          <a:ln>
+            <a:solidFill>
+              <a:srgbClr val="C00000"/>
+            </a:solidFill>
+          </a:ln>
+          <a:extLst>
+            <a:ext uri="{909E8E84-426E-40DD-AFC4-6F175D3DCCD1}">
+              <a14:hiddenFill xmlns:a14="http://schemas.microsoft.com/office/drawing/2010/main">
+                <a:solidFill>
+                  <a:schemeClr val="accent1"/>
+                </a:solidFill>
+              </a14:hiddenFill>
+            </a:ext>
+          </a:extLst>
+        </p:spPr>
+        <p:style>
+          <a:lnRef idx="2">
+            <a:schemeClr val="accent1">
+              <a:shade val="50000"/>
+            </a:schemeClr>
+          </a:lnRef>
+          <a:fillRef idx="1">
+            <a:schemeClr val="accent1"/>
+          </a:fillRef>
+          <a:effectRef idx="0">
+            <a:schemeClr val="accent1"/>
+          </a:effectRef>
+          <a:fontRef idx="minor">
+            <a:schemeClr val="lt1"/>
+          </a:fontRef>
+        </p:style>
+        <p:txBody>
+          <a:bodyPr rtlCol="0" anchor="ctr"/>
+          <a:p>
+            <a:pPr algn="ctr"/>
+            <a:endParaRPr lang="en-US"/>
+          </a:p>
+        </p:txBody>
+      </p:sp>
+      <p:sp>
+        <p:nvSpPr>
+          <p:cNvPr id="9" name="Oval 8"/>
+          <p:cNvSpPr/>
+          <p:nvPr/>
+        </p:nvSpPr>
+        <p:spPr>
+          <a:xfrm>
+            <a:off x="5261610" y="3030855"/>
+            <a:ext cx="431800" cy="432435"/>
+          </a:xfrm>
+          <a:prstGeom prst="ellipse">
+            <a:avLst/>
+          </a:prstGeom>
+          <a:noFill/>
+          <a:ln>
+            <a:solidFill>
+              <a:srgbClr val="C00000"/>
+            </a:solidFill>
+          </a:ln>
+          <a:extLst>
+            <a:ext uri="{909E8E84-426E-40DD-AFC4-6F175D3DCCD1}">
+              <a14:hiddenFill xmlns:a14="http://schemas.microsoft.com/office/drawing/2010/main">
+                <a:solidFill>
+                  <a:schemeClr val="accent1"/>
+                </a:solidFill>
+              </a14:hiddenFill>
+            </a:ext>
+          </a:extLst>
+        </p:spPr>
+        <p:style>
+          <a:lnRef idx="2">
+            <a:schemeClr val="accent1">
+              <a:shade val="50000"/>
+            </a:schemeClr>
+          </a:lnRef>
+          <a:fillRef idx="1">
+            <a:schemeClr val="accent1"/>
+          </a:fillRef>
+          <a:effectRef idx="0">
+            <a:schemeClr val="accent1"/>
+          </a:effectRef>
+          <a:fontRef idx="minor">
+            <a:schemeClr val="lt1"/>
+          </a:fontRef>
+        </p:style>
+        <p:txBody>
+          <a:bodyPr rtlCol="0" anchor="ctr"/>
+          <a:p>
+            <a:pPr algn="ctr"/>
+            <a:endParaRPr lang="en-US"/>
+          </a:p>
+        </p:txBody>
+      </p:sp>
+      <p:cxnSp>
+        <p:nvCxnSpPr>
+          <p:cNvPr id="10" name="Straight Arrow Connector 9"/>
+          <p:cNvCxnSpPr>
+            <a:stCxn id="9" idx="4"/>
+            <a:endCxn id="3" idx="0"/>
+          </p:cNvCxnSpPr>
+          <p:nvPr/>
+        </p:nvCxnSpPr>
+        <p:spPr>
+          <a:xfrm>
+            <a:off x="5477510" y="3463290"/>
+            <a:ext cx="215900" cy="783590"/>
+          </a:xfrm>
+          <a:prstGeom prst="straightConnector1">
+            <a:avLst/>
+          </a:prstGeom>
+          <a:ln>
+            <a:solidFill>
+              <a:srgbClr val="C00000"/>
+            </a:solidFill>
+            <a:prstDash val="lgDash"/>
+            <a:tailEnd type="arrow"/>
+          </a:ln>
+        </p:spPr>
+        <p:style>
+          <a:lnRef idx="1">
+            <a:schemeClr val="accent1"/>
+          </a:lnRef>
+          <a:fillRef idx="0">
+            <a:schemeClr val="accent1"/>
+          </a:fillRef>
+          <a:effectRef idx="0">
+            <a:schemeClr val="accent1"/>
+          </a:effectRef>
+          <a:fontRef idx="minor">
+            <a:schemeClr val="tx1"/>
+          </a:fontRef>
+        </p:style>
+      </p:cxnSp>
+      <p:cxnSp>
+        <p:nvCxnSpPr>
+          <p:cNvPr id="11" name="Straight Connector 10"/>
+          <p:cNvCxnSpPr/>
+          <p:nvPr/>
+        </p:nvCxnSpPr>
+        <p:spPr>
+          <a:xfrm flipH="1">
+            <a:off x="5789930" y="2132965"/>
+            <a:ext cx="17780" cy="1834515"/>
+          </a:xfrm>
+          <a:prstGeom prst="line">
+            <a:avLst/>
+          </a:prstGeom>
+          <a:ln>
+            <a:solidFill>
+              <a:srgbClr val="C00000"/>
+            </a:solidFill>
+            <a:prstDash val="lgDash"/>
+          </a:ln>
+        </p:spPr>
+        <p:style>
+          <a:lnRef idx="1">
+            <a:schemeClr val="accent1"/>
+          </a:lnRef>
+          <a:fillRef idx="0">
+            <a:schemeClr val="accent1"/>
+          </a:fillRef>
+          <a:effectRef idx="0">
+            <a:schemeClr val="accent1"/>
+          </a:effectRef>
+          <a:fontRef idx="minor">
+            <a:schemeClr val="tx1"/>
+          </a:fontRef>
+        </p:style>
+      </p:cxnSp>
+      <p:sp>
+        <p:nvSpPr>
+          <p:cNvPr id="12" name="Rounded Rectangle 11"/>
+          <p:cNvSpPr/>
+          <p:nvPr/>
+        </p:nvSpPr>
+        <p:spPr>
+          <a:xfrm>
+            <a:off x="5511800" y="1788160"/>
+            <a:ext cx="574675" cy="348615"/>
+          </a:xfrm>
+          <a:prstGeom prst="roundRect">
+            <a:avLst/>
+          </a:prstGeom>
+          <a:noFill/>
+          <a:ln>
+            <a:solidFill>
+              <a:srgbClr val="C00000"/>
+            </a:solidFill>
+          </a:ln>
+          <a:extLst>
+            <a:ext uri="{909E8E84-426E-40DD-AFC4-6F175D3DCCD1}">
+              <a14:hiddenFill xmlns:a14="http://schemas.microsoft.com/office/drawing/2010/main">
+                <a:solidFill>
+                  <a:schemeClr val="accent1"/>
+                </a:solidFill>
+              </a14:hiddenFill>
+            </a:ext>
+          </a:extLst>
+        </p:spPr>
+        <p:style>
+          <a:lnRef idx="2">
+            <a:schemeClr val="accent1">
+              <a:shade val="50000"/>
+            </a:schemeClr>
+          </a:lnRef>
+          <a:fillRef idx="1">
+            <a:schemeClr val="accent1"/>
+          </a:fillRef>
+          <a:effectRef idx="0">
+            <a:schemeClr val="accent1"/>
+          </a:effectRef>
+          <a:fontRef idx="minor">
+            <a:schemeClr val="lt1"/>
+          </a:fontRef>
+        </p:style>
+        <p:txBody>
+          <a:bodyPr rtlCol="0" anchor="ctr"/>
+          <a:p>
+            <a:pPr algn="ctr"/>
+            <a:r>
+              <a:rPr lang="" altLang="en-US">
+                <a:solidFill>
+                  <a:schemeClr val="tx1"/>
+                </a:solidFill>
+              </a:rPr>
+              <a:t>f1</a:t>
+            </a:r>
+            <a:endParaRPr lang="" altLang="en-US">
+              <a:solidFill>
+                <a:schemeClr val="tx1"/>
+              </a:solidFill>
+            </a:endParaRPr>
+          </a:p>
+        </p:txBody>
+      </p:sp>
+    </p:spTree>
+  </p:cSld>
+  <p:clrMapOvr>
+    <a:masterClrMapping/>
+  </p:clrMapOvr>
 </p:sld>
 </file>
 

--- a/tex/rc/figures.pptx
+++ b/tex/rc/figures.pptx
@@ -10,6 +10,8 @@
     <p:sldId id="258" r:id="rId5"/>
     <p:sldId id="259" r:id="rId6"/>
     <p:sldId id="260" r:id="rId7"/>
+    <p:sldId id="261" r:id="rId8"/>
+    <p:sldId id="262" r:id="rId9"/>
   </p:sldIdLst>
   <p:sldSz cx="12192000" cy="6858000"/>
   <p:notesSz cx="7772400" cy="10058400"/>
@@ -6262,14 +6264,14 @@
           <a:p>
             <a:pPr algn="ctr"/>
             <a:r>
-              <a:rPr lang="" altLang="en-US">
+              <a:rPr lang="en-US" altLang="en-US">
                 <a:solidFill>
                   <a:schemeClr val="tx1"/>
                 </a:solidFill>
               </a:rPr>
               <a:t>a1</a:t>
             </a:r>
-            <a:endParaRPr lang="" altLang="en-US">
+            <a:endParaRPr lang="en-US" altLang="en-US">
               <a:solidFill>
                 <a:schemeClr val="tx1"/>
               </a:solidFill>
@@ -6357,17 +6359,9 @@
                   <a:schemeClr val="tx1"/>
                 </a:solidFill>
               </a:rPr>
-              <a:t>a</a:t>
-            </a:r>
-            <a:r>
-              <a:rPr lang="" altLang="en-US">
-                <a:solidFill>
-                  <a:schemeClr val="tx1"/>
-                </a:solidFill>
-              </a:rPr>
-              <a:t>3</a:t>
-            </a:r>
-            <a:endParaRPr lang="" altLang="en-US">
+              <a:t>a3</a:t>
+            </a:r>
+            <a:endParaRPr lang="en-US" altLang="en-US">
               <a:solidFill>
                 <a:schemeClr val="tx1"/>
               </a:solidFill>
@@ -6650,17 +6644,372 @@
           <a:p>
             <a:pPr algn="ctr"/>
             <a:r>
-              <a:rPr lang="" altLang="en-US">
+              <a:rPr lang="en-US" altLang="en-US">
                 <a:solidFill>
                   <a:schemeClr val="tx1"/>
                 </a:solidFill>
               </a:rPr>
               <a:t>f1</a:t>
             </a:r>
-            <a:endParaRPr lang="" altLang="en-US">
+            <a:endParaRPr lang="en-US" altLang="en-US">
               <a:solidFill>
                 <a:schemeClr val="tx1"/>
               </a:solidFill>
+            </a:endParaRPr>
+          </a:p>
+        </p:txBody>
+      </p:sp>
+    </p:spTree>
+  </p:cSld>
+  <p:clrMapOvr>
+    <a:masterClrMapping/>
+  </p:clrMapOvr>
+</p:sld>
+</file>
+
+<file path=ppt/slides/slide6.xml><?xml version="1.0" encoding="utf-8"?>
+<p:sld xmlns:a="http://schemas.openxmlformats.org/drawingml/2006/main" xmlns:r="http://schemas.openxmlformats.org/officeDocument/2006/relationships" xmlns:p="http://schemas.openxmlformats.org/presentationml/2006/main">
+  <p:cSld>
+    <p:spTree>
+      <p:nvGrpSpPr>
+        <p:cNvPr id="1" name=""/>
+        <p:cNvGrpSpPr/>
+        <p:nvPr/>
+      </p:nvGrpSpPr>
+      <p:grpSpPr/>
+      <p:pic>
+        <p:nvPicPr>
+          <p:cNvPr id="4" name="Picture 3" descr="s4fig1"/>
+          <p:cNvPicPr>
+            <a:picLocks noChangeAspect="1"/>
+          </p:cNvPicPr>
+          <p:nvPr/>
+        </p:nvPicPr>
+        <p:blipFill>
+          <a:blip r:embed="rId1"/>
+          <a:stretch>
+            <a:fillRect/>
+          </a:stretch>
+        </p:blipFill>
+        <p:spPr>
+          <a:xfrm>
+            <a:off x="1066800" y="313055"/>
+            <a:ext cx="10058400" cy="6231890"/>
+          </a:xfrm>
+          <a:prstGeom prst="rect">
+            <a:avLst/>
+          </a:prstGeom>
+        </p:spPr>
+      </p:pic>
+      <p:cxnSp>
+        <p:nvCxnSpPr>
+          <p:cNvPr id="6" name="Straight Connector 5"/>
+          <p:cNvCxnSpPr/>
+          <p:nvPr/>
+        </p:nvCxnSpPr>
+        <p:spPr>
+          <a:xfrm flipH="1">
+            <a:off x="4267200" y="2493010"/>
+            <a:ext cx="28575" cy="3672205"/>
+          </a:xfrm>
+          <a:prstGeom prst="line">
+            <a:avLst/>
+          </a:prstGeom>
+          <a:ln w="28575">
+            <a:solidFill>
+              <a:srgbClr val="C00000"/>
+            </a:solidFill>
+            <a:prstDash val="lgDash"/>
+          </a:ln>
+        </p:spPr>
+        <p:style>
+          <a:lnRef idx="1">
+            <a:schemeClr val="accent1"/>
+          </a:lnRef>
+          <a:fillRef idx="0">
+            <a:schemeClr val="accent1"/>
+          </a:fillRef>
+          <a:effectRef idx="0">
+            <a:schemeClr val="accent1"/>
+          </a:effectRef>
+          <a:fontRef idx="minor">
+            <a:schemeClr val="tx1"/>
+          </a:fontRef>
+        </p:style>
+      </p:cxnSp>
+      <p:cxnSp>
+        <p:nvCxnSpPr>
+          <p:cNvPr id="13" name="Straight Connector 12"/>
+          <p:cNvCxnSpPr/>
+          <p:nvPr/>
+        </p:nvCxnSpPr>
+        <p:spPr>
+          <a:xfrm flipH="1">
+            <a:off x="5494020" y="1412875"/>
+            <a:ext cx="26035" cy="4752340"/>
+          </a:xfrm>
+          <a:prstGeom prst="line">
+            <a:avLst/>
+          </a:prstGeom>
+          <a:ln w="28575">
+            <a:solidFill>
+              <a:srgbClr val="C00000"/>
+            </a:solidFill>
+            <a:prstDash val="lgDash"/>
+          </a:ln>
+        </p:spPr>
+        <p:style>
+          <a:lnRef idx="1">
+            <a:schemeClr val="accent1"/>
+          </a:lnRef>
+          <a:fillRef idx="0">
+            <a:schemeClr val="accent1"/>
+          </a:fillRef>
+          <a:effectRef idx="0">
+            <a:schemeClr val="accent1"/>
+          </a:effectRef>
+          <a:fontRef idx="minor">
+            <a:schemeClr val="tx1"/>
+          </a:fontRef>
+        </p:style>
+      </p:cxnSp>
+      <p:sp>
+        <p:nvSpPr>
+          <p:cNvPr id="14" name="Text Box 13"/>
+          <p:cNvSpPr txBox="1"/>
+          <p:nvPr/>
+        </p:nvSpPr>
+        <p:spPr>
+          <a:xfrm>
+            <a:off x="4018280" y="6394450"/>
+            <a:ext cx="526415" cy="368300"/>
+          </a:xfrm>
+          <a:prstGeom prst="rect">
+            <a:avLst/>
+          </a:prstGeom>
+          <a:noFill/>
+        </p:spPr>
+        <p:txBody>
+          <a:bodyPr wrap="square" rtlCol="0">
+            <a:spAutoFit/>
+          </a:bodyPr>
+          <a:p>
+            <a:pPr algn="ctr"/>
+            <a:r>
+              <a:rPr lang="en-US" altLang="en-US" b="1" i="1">
+                <a:solidFill>
+                  <a:srgbClr val="C00000"/>
+                </a:solidFill>
+              </a:rPr>
+              <a:t>x</a:t>
+            </a:r>
+            <a:r>
+              <a:rPr lang="en-US" altLang="en-US" b="1" i="1" baseline="-25000">
+                <a:solidFill>
+                  <a:srgbClr val="C00000"/>
+                </a:solidFill>
+              </a:rPr>
+              <a:t>1</a:t>
+            </a:r>
+            <a:endParaRPr lang="en-US" altLang="en-US" b="1" i="1" baseline="-25000">
+              <a:solidFill>
+                <a:srgbClr val="C00000"/>
+              </a:solidFill>
+            </a:endParaRPr>
+          </a:p>
+        </p:txBody>
+      </p:sp>
+      <p:sp>
+        <p:nvSpPr>
+          <p:cNvPr id="15" name="Text Box 14"/>
+          <p:cNvSpPr txBox="1"/>
+          <p:nvPr/>
+        </p:nvSpPr>
+        <p:spPr>
+          <a:xfrm>
+            <a:off x="5243830" y="6394450"/>
+            <a:ext cx="526415" cy="368300"/>
+          </a:xfrm>
+          <a:prstGeom prst="rect">
+            <a:avLst/>
+          </a:prstGeom>
+          <a:noFill/>
+        </p:spPr>
+        <p:txBody>
+          <a:bodyPr wrap="square" rtlCol="0">
+            <a:spAutoFit/>
+          </a:bodyPr>
+          <a:p>
+            <a:pPr algn="ctr"/>
+            <a:r>
+              <a:rPr lang="en-US" altLang="en-US" b="1" i="1">
+                <a:solidFill>
+                  <a:srgbClr val="C00000"/>
+                </a:solidFill>
+              </a:rPr>
+              <a:t>x</a:t>
+            </a:r>
+            <a:r>
+              <a:rPr lang="en-US" altLang="en-US" b="1" i="1" baseline="-25000">
+                <a:solidFill>
+                  <a:srgbClr val="C00000"/>
+                </a:solidFill>
+              </a:rPr>
+              <a:t>2</a:t>
+            </a:r>
+            <a:endParaRPr lang="en-US" altLang="en-US" b="1" i="1" baseline="-25000">
+              <a:solidFill>
+                <a:srgbClr val="C00000"/>
+              </a:solidFill>
+            </a:endParaRPr>
+          </a:p>
+        </p:txBody>
+      </p:sp>
+    </p:spTree>
+  </p:cSld>
+  <p:clrMapOvr>
+    <a:masterClrMapping/>
+  </p:clrMapOvr>
+</p:sld>
+</file>
+
+<file path=ppt/slides/slide7.xml><?xml version="1.0" encoding="utf-8"?>
+<p:sld xmlns:a="http://schemas.openxmlformats.org/drawingml/2006/main" xmlns:r="http://schemas.openxmlformats.org/officeDocument/2006/relationships" xmlns:p="http://schemas.openxmlformats.org/presentationml/2006/main">
+  <p:cSld>
+    <p:spTree>
+      <p:nvGrpSpPr>
+        <p:cNvPr id="1" name=""/>
+        <p:cNvGrpSpPr/>
+        <p:nvPr/>
+      </p:nvGrpSpPr>
+      <p:grpSpPr/>
+      <p:pic>
+        <p:nvPicPr>
+          <p:cNvPr id="3" name="Picture 2" descr="rc4fig12"/>
+          <p:cNvPicPr>
+            <a:picLocks noChangeAspect="1"/>
+          </p:cNvPicPr>
+          <p:nvPr/>
+        </p:nvPicPr>
+        <p:blipFill>
+          <a:blip r:embed="rId1"/>
+          <a:stretch>
+            <a:fillRect/>
+          </a:stretch>
+        </p:blipFill>
+        <p:spPr>
+          <a:xfrm>
+            <a:off x="1066800" y="227965"/>
+            <a:ext cx="10058400" cy="6401435"/>
+          </a:xfrm>
+          <a:prstGeom prst="rect">
+            <a:avLst/>
+          </a:prstGeom>
+        </p:spPr>
+      </p:pic>
+      <p:sp>
+        <p:nvSpPr>
+          <p:cNvPr id="5" name="Text Box 4"/>
+          <p:cNvSpPr txBox="1"/>
+          <p:nvPr/>
+        </p:nvSpPr>
+        <p:spPr>
+          <a:xfrm>
+            <a:off x="6153150" y="6287135"/>
+            <a:ext cx="699770" cy="460375"/>
+          </a:xfrm>
+          <a:prstGeom prst="rect">
+            <a:avLst/>
+          </a:prstGeom>
+          <a:noFill/>
+        </p:spPr>
+        <p:txBody>
+          <a:bodyPr wrap="square" rtlCol="0">
+            <a:spAutoFit/>
+          </a:bodyPr>
+          <a:p>
+            <a:pPr algn="ctr"/>
+            <a:r>
+              <a:rPr lang="en-US" sz="2400">
+                <a:latin typeface="+mn-ea"/>
+                <a:cs typeface="+mn-ea"/>
+              </a:rPr>
+              <a:t>ᵪ</a:t>
+            </a:r>
+            <a:r>
+              <a:rPr lang="en-US" sz="2400" baseline="-25000">
+                <a:latin typeface="Arial" panose="02080604020202020204" pitchFamily="34" charset="0"/>
+                <a:cs typeface="Arial" panose="02080604020202020204" pitchFamily="34" charset="0"/>
+              </a:rPr>
+              <a:t>α</a:t>
+            </a:r>
+            <a:r>
+              <a:rPr lang="" altLang="en-US" sz="2400" baseline="-25000">
+                <a:latin typeface="Arial" panose="02080604020202020204" pitchFamily="34" charset="0"/>
+                <a:cs typeface="Arial" panose="02080604020202020204" pitchFamily="34" charset="0"/>
+              </a:rPr>
+              <a:t>/2</a:t>
+            </a:r>
+            <a:endParaRPr lang="" altLang="en-US" sz="2400" baseline="-25000">
+              <a:latin typeface="Arial" panose="02080604020202020204" pitchFamily="34" charset="0"/>
+              <a:cs typeface="Arial" panose="02080604020202020204" pitchFamily="34" charset="0"/>
+            </a:endParaRPr>
+          </a:p>
+        </p:txBody>
+      </p:sp>
+      <p:sp>
+        <p:nvSpPr>
+          <p:cNvPr id="7" name="Text Box 6"/>
+          <p:cNvSpPr txBox="1"/>
+          <p:nvPr/>
+        </p:nvSpPr>
+        <p:spPr>
+          <a:xfrm>
+            <a:off x="1423670" y="6287135"/>
+            <a:ext cx="1101090" cy="460375"/>
+          </a:xfrm>
+          <a:prstGeom prst="rect">
+            <a:avLst/>
+          </a:prstGeom>
+          <a:noFill/>
+        </p:spPr>
+        <p:txBody>
+          <a:bodyPr wrap="square" rtlCol="0">
+            <a:spAutoFit/>
+          </a:bodyPr>
+          <a:p>
+            <a:pPr algn="ctr"/>
+            <a:r>
+              <a:rPr lang="en-US" sz="2400">
+                <a:latin typeface="+mn-ea"/>
+                <a:cs typeface="+mn-ea"/>
+              </a:rPr>
+              <a:t>ᵪ</a:t>
+            </a:r>
+            <a:r>
+              <a:rPr lang="" altLang="en-US" sz="2400" baseline="-25000">
+                <a:latin typeface="+mn-ea"/>
+                <a:cs typeface="+mn-ea"/>
+              </a:rPr>
+              <a:t>1-</a:t>
+            </a:r>
+            <a:r>
+              <a:rPr lang="en-US" sz="2400" baseline="-25000">
+                <a:latin typeface="Arial" panose="02080604020202020204" pitchFamily="34" charset="0"/>
+                <a:cs typeface="Arial" panose="02080604020202020204" pitchFamily="34" charset="0"/>
+              </a:rPr>
+              <a:t>α</a:t>
+            </a:r>
+            <a:r>
+              <a:rPr lang="en-US" altLang="en-US" sz="2400" baseline="-25000">
+                <a:latin typeface="Arial" panose="02080604020202020204" pitchFamily="34" charset="0"/>
+                <a:cs typeface="Arial" panose="02080604020202020204" pitchFamily="34" charset="0"/>
+              </a:rPr>
+              <a:t>/2</a:t>
+            </a:r>
+            <a:endParaRPr lang="en-US" altLang="en-US" sz="2400" baseline="-25000">
+              <a:latin typeface="Arial" panose="02080604020202020204" pitchFamily="34" charset="0"/>
+              <a:cs typeface="Arial" panose="02080604020202020204" pitchFamily="34" charset="0"/>
             </a:endParaRPr>
           </a:p>
         </p:txBody>

--- a/tex/rc/figures.pptx
+++ b/tex/rc/figures.pptx
@@ -12,6 +12,8 @@
     <p:sldId id="260" r:id="rId7"/>
     <p:sldId id="261" r:id="rId8"/>
     <p:sldId id="262" r:id="rId9"/>
+    <p:sldId id="263" r:id="rId10"/>
+    <p:sldId id="264" r:id="rId11"/>
   </p:sldIdLst>
   <p:sldSz cx="12192000" cy="6858000"/>
   <p:notesSz cx="7772400" cy="10058400"/>
@@ -6944,63 +6946,6 @@
               <a:t>α</a:t>
             </a:r>
             <a:r>
-              <a:rPr lang="" altLang="en-US" sz="2400" baseline="-25000">
-                <a:latin typeface="Arial" panose="02080604020202020204" pitchFamily="34" charset="0"/>
-                <a:cs typeface="Arial" panose="02080604020202020204" pitchFamily="34" charset="0"/>
-              </a:rPr>
-              <a:t>/2</a:t>
-            </a:r>
-            <a:endParaRPr lang="" altLang="en-US" sz="2400" baseline="-25000">
-              <a:latin typeface="Arial" panose="02080604020202020204" pitchFamily="34" charset="0"/>
-              <a:cs typeface="Arial" panose="02080604020202020204" pitchFamily="34" charset="0"/>
-            </a:endParaRPr>
-          </a:p>
-        </p:txBody>
-      </p:sp>
-      <p:sp>
-        <p:nvSpPr>
-          <p:cNvPr id="7" name="Text Box 6"/>
-          <p:cNvSpPr txBox="1"/>
-          <p:nvPr/>
-        </p:nvSpPr>
-        <p:spPr>
-          <a:xfrm>
-            <a:off x="1423670" y="6287135"/>
-            <a:ext cx="1101090" cy="460375"/>
-          </a:xfrm>
-          <a:prstGeom prst="rect">
-            <a:avLst/>
-          </a:prstGeom>
-          <a:noFill/>
-        </p:spPr>
-        <p:txBody>
-          <a:bodyPr wrap="square" rtlCol="0">
-            <a:spAutoFit/>
-          </a:bodyPr>
-          <a:p>
-            <a:pPr algn="ctr"/>
-            <a:r>
-              <a:rPr lang="en-US" sz="2400">
-                <a:latin typeface="+mn-ea"/>
-                <a:cs typeface="+mn-ea"/>
-              </a:rPr>
-              <a:t>ᵪ</a:t>
-            </a:r>
-            <a:r>
-              <a:rPr lang="" altLang="en-US" sz="2400" baseline="-25000">
-                <a:latin typeface="+mn-ea"/>
-                <a:cs typeface="+mn-ea"/>
-              </a:rPr>
-              <a:t>1-</a:t>
-            </a:r>
-            <a:r>
-              <a:rPr lang="en-US" sz="2400" baseline="-25000">
-                <a:latin typeface="Arial" panose="02080604020202020204" pitchFamily="34" charset="0"/>
-                <a:cs typeface="Arial" panose="02080604020202020204" pitchFamily="34" charset="0"/>
-              </a:rPr>
-              <a:t>α</a:t>
-            </a:r>
-            <a:r>
               <a:rPr lang="en-US" altLang="en-US" sz="2400" baseline="-25000">
                 <a:latin typeface="Arial" panose="02080604020202020204" pitchFamily="34" charset="0"/>
                 <a:cs typeface="Arial" panose="02080604020202020204" pitchFamily="34" charset="0"/>
@@ -7014,6 +6959,291 @@
           </a:p>
         </p:txBody>
       </p:sp>
+      <p:sp>
+        <p:nvSpPr>
+          <p:cNvPr id="7" name="Text Box 6"/>
+          <p:cNvSpPr txBox="1"/>
+          <p:nvPr/>
+        </p:nvSpPr>
+        <p:spPr>
+          <a:xfrm>
+            <a:off x="1423670" y="6287135"/>
+            <a:ext cx="1101090" cy="460375"/>
+          </a:xfrm>
+          <a:prstGeom prst="rect">
+            <a:avLst/>
+          </a:prstGeom>
+          <a:noFill/>
+        </p:spPr>
+        <p:txBody>
+          <a:bodyPr wrap="square" rtlCol="0">
+            <a:spAutoFit/>
+          </a:bodyPr>
+          <a:p>
+            <a:pPr algn="ctr"/>
+            <a:r>
+              <a:rPr lang="en-US" sz="2400">
+                <a:latin typeface="+mn-ea"/>
+                <a:cs typeface="+mn-ea"/>
+              </a:rPr>
+              <a:t>ᵪ</a:t>
+            </a:r>
+            <a:r>
+              <a:rPr lang="en-US" altLang="en-US" sz="2400" baseline="-25000">
+                <a:latin typeface="+mn-ea"/>
+                <a:cs typeface="+mn-ea"/>
+              </a:rPr>
+              <a:t>1-</a:t>
+            </a:r>
+            <a:r>
+              <a:rPr lang="en-US" sz="2400" baseline="-25000">
+                <a:latin typeface="Arial" panose="02080604020202020204" pitchFamily="34" charset="0"/>
+                <a:cs typeface="Arial" panose="02080604020202020204" pitchFamily="34" charset="0"/>
+              </a:rPr>
+              <a:t>α</a:t>
+            </a:r>
+            <a:r>
+              <a:rPr lang="en-US" altLang="en-US" sz="2400" baseline="-25000">
+                <a:latin typeface="Arial" panose="02080604020202020204" pitchFamily="34" charset="0"/>
+                <a:cs typeface="Arial" panose="02080604020202020204" pitchFamily="34" charset="0"/>
+              </a:rPr>
+              <a:t>/2</a:t>
+            </a:r>
+            <a:endParaRPr lang="en-US" altLang="en-US" sz="2400" baseline="-25000">
+              <a:latin typeface="Arial" panose="02080604020202020204" pitchFamily="34" charset="0"/>
+              <a:cs typeface="Arial" panose="02080604020202020204" pitchFamily="34" charset="0"/>
+            </a:endParaRPr>
+          </a:p>
+        </p:txBody>
+      </p:sp>
+    </p:spTree>
+  </p:cSld>
+  <p:clrMapOvr>
+    <a:masterClrMapping/>
+  </p:clrMapOvr>
+</p:sld>
+</file>
+
+<file path=ppt/slides/slide8.xml><?xml version="1.0" encoding="utf-8"?>
+<p:sld xmlns:a="http://schemas.openxmlformats.org/drawingml/2006/main" xmlns:r="http://schemas.openxmlformats.org/officeDocument/2006/relationships" xmlns:p="http://schemas.openxmlformats.org/presentationml/2006/main">
+  <p:cSld>
+    <p:spTree>
+      <p:nvGrpSpPr>
+        <p:cNvPr id="1" name=""/>
+        <p:cNvGrpSpPr/>
+        <p:nvPr/>
+      </p:nvGrpSpPr>
+      <p:grpSpPr/>
+      <p:pic>
+        <p:nvPicPr>
+          <p:cNvPr id="2" name="Picture 1" descr="s5fig1"/>
+          <p:cNvPicPr>
+            <a:picLocks noChangeAspect="1"/>
+          </p:cNvPicPr>
+          <p:nvPr/>
+        </p:nvPicPr>
+        <p:blipFill>
+          <a:blip r:embed="rId1"/>
+          <a:stretch>
+            <a:fillRect/>
+          </a:stretch>
+        </p:blipFill>
+        <p:spPr>
+          <a:xfrm>
+            <a:off x="963295" y="55245"/>
+            <a:ext cx="10264775" cy="6747510"/>
+          </a:xfrm>
+          <a:prstGeom prst="rect">
+            <a:avLst/>
+          </a:prstGeom>
+        </p:spPr>
+      </p:pic>
+      <p:cxnSp>
+        <p:nvCxnSpPr>
+          <p:cNvPr id="4" name="Straight Connector 3"/>
+          <p:cNvCxnSpPr/>
+          <p:nvPr/>
+        </p:nvCxnSpPr>
+        <p:spPr>
+          <a:xfrm flipV="1">
+            <a:off x="1936750" y="5445125"/>
+            <a:ext cx="1135380" cy="3810"/>
+          </a:xfrm>
+          <a:prstGeom prst="line">
+            <a:avLst/>
+          </a:prstGeom>
+          <a:ln w="19050">
+            <a:solidFill>
+              <a:srgbClr val="C00000"/>
+            </a:solidFill>
+            <a:prstDash val="lgDash"/>
+          </a:ln>
+        </p:spPr>
+        <p:style>
+          <a:lnRef idx="1">
+            <a:schemeClr val="accent1"/>
+          </a:lnRef>
+          <a:fillRef idx="0">
+            <a:schemeClr val="accent1"/>
+          </a:fillRef>
+          <a:effectRef idx="0">
+            <a:schemeClr val="accent1"/>
+          </a:effectRef>
+          <a:fontRef idx="minor">
+            <a:schemeClr val="tx1"/>
+          </a:fontRef>
+        </p:style>
+      </p:cxnSp>
+      <p:cxnSp>
+        <p:nvCxnSpPr>
+          <p:cNvPr id="6" name="Straight Connector 5"/>
+          <p:cNvCxnSpPr/>
+          <p:nvPr/>
+        </p:nvCxnSpPr>
+        <p:spPr>
+          <a:xfrm flipH="1">
+            <a:off x="3072130" y="5445125"/>
+            <a:ext cx="2540" cy="237490"/>
+          </a:xfrm>
+          <a:prstGeom prst="line">
+            <a:avLst/>
+          </a:prstGeom>
+          <a:ln w="19050">
+            <a:solidFill>
+              <a:srgbClr val="C00000"/>
+            </a:solidFill>
+            <a:prstDash val="lgDash"/>
+          </a:ln>
+        </p:spPr>
+        <p:style>
+          <a:lnRef idx="1">
+            <a:schemeClr val="accent1"/>
+          </a:lnRef>
+          <a:fillRef idx="0">
+            <a:schemeClr val="accent1"/>
+          </a:fillRef>
+          <a:effectRef idx="0">
+            <a:schemeClr val="accent1"/>
+          </a:effectRef>
+          <a:fontRef idx="minor">
+            <a:schemeClr val="tx1"/>
+          </a:fontRef>
+        </p:style>
+      </p:cxnSp>
+    </p:spTree>
+  </p:cSld>
+  <p:clrMapOvr>
+    <a:masterClrMapping/>
+  </p:clrMapOvr>
+</p:sld>
+</file>
+
+<file path=ppt/slides/slide9.xml><?xml version="1.0" encoding="utf-8"?>
+<p:sld xmlns:a="http://schemas.openxmlformats.org/drawingml/2006/main" xmlns:r="http://schemas.openxmlformats.org/officeDocument/2006/relationships" xmlns:p="http://schemas.openxmlformats.org/presentationml/2006/main">
+  <p:cSld>
+    <p:spTree>
+      <p:nvGrpSpPr>
+        <p:cNvPr id="1" name=""/>
+        <p:cNvGrpSpPr/>
+        <p:nvPr/>
+      </p:nvGrpSpPr>
+      <p:grpSpPr/>
+      <p:pic>
+        <p:nvPicPr>
+          <p:cNvPr id="3" name="Picture 2"/>
+          <p:cNvPicPr>
+            <a:picLocks noChangeAspect="1"/>
+          </p:cNvPicPr>
+          <p:nvPr/>
+        </p:nvPicPr>
+        <p:blipFill>
+          <a:blip r:embed="rId1"/>
+          <a:stretch>
+            <a:fillRect/>
+          </a:stretch>
+        </p:blipFill>
+        <p:spPr>
+          <a:xfrm>
+            <a:off x="1156970" y="22225"/>
+            <a:ext cx="9877425" cy="6812915"/>
+          </a:xfrm>
+          <a:prstGeom prst="rect">
+            <a:avLst/>
+          </a:prstGeom>
+        </p:spPr>
+      </p:pic>
+      <p:cxnSp>
+        <p:nvCxnSpPr>
+          <p:cNvPr id="5" name="Straight Connector 4"/>
+          <p:cNvCxnSpPr/>
+          <p:nvPr/>
+        </p:nvCxnSpPr>
+        <p:spPr>
+          <a:xfrm>
+            <a:off x="1913255" y="5368925"/>
+            <a:ext cx="2166620" cy="4445"/>
+          </a:xfrm>
+          <a:prstGeom prst="line">
+            <a:avLst/>
+          </a:prstGeom>
+          <a:ln w="19050">
+            <a:solidFill>
+              <a:srgbClr val="C00000"/>
+            </a:solidFill>
+            <a:prstDash val="lgDash"/>
+          </a:ln>
+        </p:spPr>
+        <p:style>
+          <a:lnRef idx="1">
+            <a:schemeClr val="accent1"/>
+          </a:lnRef>
+          <a:fillRef idx="0">
+            <a:schemeClr val="accent1"/>
+          </a:fillRef>
+          <a:effectRef idx="0">
+            <a:schemeClr val="accent1"/>
+          </a:effectRef>
+          <a:fontRef idx="minor">
+            <a:schemeClr val="tx1"/>
+          </a:fontRef>
+        </p:style>
+      </p:cxnSp>
+      <p:cxnSp>
+        <p:nvCxnSpPr>
+          <p:cNvPr id="7" name="Straight Connector 6"/>
+          <p:cNvCxnSpPr/>
+          <p:nvPr/>
+        </p:nvCxnSpPr>
+        <p:spPr>
+          <a:xfrm>
+            <a:off x="4076700" y="5373370"/>
+            <a:ext cx="0" cy="287655"/>
+          </a:xfrm>
+          <a:prstGeom prst="line">
+            <a:avLst/>
+          </a:prstGeom>
+          <a:ln w="19050">
+            <a:solidFill>
+              <a:srgbClr val="C00000"/>
+            </a:solidFill>
+            <a:prstDash val="lgDash"/>
+          </a:ln>
+        </p:spPr>
+        <p:style>
+          <a:lnRef idx="1">
+            <a:schemeClr val="accent1"/>
+          </a:lnRef>
+          <a:fillRef idx="0">
+            <a:schemeClr val="accent1"/>
+          </a:fillRef>
+          <a:effectRef idx="0">
+            <a:schemeClr val="accent1"/>
+          </a:effectRef>
+          <a:fontRef idx="minor">
+            <a:schemeClr val="tx1"/>
+          </a:fontRef>
+        </p:style>
+      </p:cxnSp>
     </p:spTree>
   </p:cSld>
   <p:clrMapOvr>

--- a/tex/rc/figures.pptx
+++ b/tex/rc/figures.pptx
@@ -4,6 +4,9 @@
   <p:sldMasterIdLst>
     <p:sldMasterId id="2147483648" r:id="rId1"/>
   </p:sldMasterIdLst>
+  <p:notesMasterIdLst>
+    <p:notesMasterId r:id="rId13"/>
+  </p:notesMasterIdLst>
   <p:sldIdLst>
     <p:sldId id="256" r:id="rId3"/>
     <p:sldId id="257" r:id="rId4"/>
@@ -14,6 +17,8 @@
     <p:sldId id="262" r:id="rId9"/>
     <p:sldId id="263" r:id="rId10"/>
     <p:sldId id="264" r:id="rId11"/>
+    <p:sldId id="265" r:id="rId12"/>
+    <p:sldId id="266" r:id="rId14"/>
   </p:sldIdLst>
   <p:sldSz cx="12192000" cy="6858000"/>
   <p:notesSz cx="7772400" cy="10058400"/>
@@ -112,6 +117,441 @@
 </p:presentation>
 </file>
 
+<file path=ppt/notesMasters/notesMaster1.xml><?xml version="1.0" encoding="utf-8"?>
+<p:notesMaster xmlns:a="http://schemas.openxmlformats.org/drawingml/2006/main" xmlns:r="http://schemas.openxmlformats.org/officeDocument/2006/relationships" xmlns:p="http://schemas.openxmlformats.org/presentationml/2006/main">
+  <p:cSld>
+    <p:bg>
+      <p:bgRef idx="1001">
+        <a:schemeClr val="bg1"/>
+      </p:bgRef>
+    </p:bg>
+    <p:spTree>
+      <p:nvGrpSpPr>
+        <p:cNvPr id="1" name=""/>
+        <p:cNvGrpSpPr/>
+        <p:nvPr/>
+      </p:nvGrpSpPr>
+      <p:grpSpPr>
+        <a:xfrm>
+          <a:off x="0" y="0"/>
+          <a:ext cx="0" cy="0"/>
+          <a:chOff x="0" y="0"/>
+          <a:chExt cx="0" cy="0"/>
+        </a:xfrm>
+      </p:grpSpPr>
+      <p:sp>
+        <p:nvSpPr>
+          <p:cNvPr id="2" name="Header Placeholder 1"/>
+          <p:cNvSpPr>
+            <a:spLocks noGrp="1"/>
+          </p:cNvSpPr>
+          <p:nvPr>
+            <p:ph type="hdr" sz="quarter"/>
+          </p:nvPr>
+        </p:nvSpPr>
+        <p:spPr>
+          <a:xfrm>
+            <a:off x="0" y="0"/>
+            <a:ext cx="3368040" cy="504667"/>
+          </a:xfrm>
+          <a:prstGeom prst="rect">
+            <a:avLst/>
+          </a:prstGeom>
+        </p:spPr>
+        <p:txBody>
+          <a:bodyPr vert="horz" lIns="91440" tIns="45720" rIns="91440" bIns="45720" rtlCol="0"/>
+          <a:lstStyle>
+            <a:lvl1pPr algn="l">
+              <a:defRPr sz="1200"/>
+            </a:lvl1pPr>
+          </a:lstStyle>
+          <a:p>
+            <a:endParaRPr lang="en-US"/>
+          </a:p>
+        </p:txBody>
+      </p:sp>
+      <p:sp>
+        <p:nvSpPr>
+          <p:cNvPr id="3" name="Date Placeholder 2"/>
+          <p:cNvSpPr>
+            <a:spLocks noGrp="1"/>
+          </p:cNvSpPr>
+          <p:nvPr>
+            <p:ph type="dt" idx="1"/>
+          </p:nvPr>
+        </p:nvSpPr>
+        <p:spPr>
+          <a:xfrm>
+            <a:off x="4402561" y="0"/>
+            <a:ext cx="3368040" cy="504667"/>
+          </a:xfrm>
+          <a:prstGeom prst="rect">
+            <a:avLst/>
+          </a:prstGeom>
+        </p:spPr>
+        <p:txBody>
+          <a:bodyPr vert="horz" lIns="91440" tIns="45720" rIns="91440" bIns="45720" rtlCol="0"/>
+          <a:lstStyle>
+            <a:lvl1pPr algn="r">
+              <a:defRPr sz="1200"/>
+            </a:lvl1pPr>
+          </a:lstStyle>
+          <a:p>
+            <a:fld id="{3EFD42F7-718C-4B98-AAEC-167E6DDD60A7}" type="datetimeFigureOut">
+              <a:rPr lang="en-US" smtClean="0"/>
+            </a:fld>
+            <a:endParaRPr lang="en-US"/>
+          </a:p>
+        </p:txBody>
+      </p:sp>
+      <p:sp>
+        <p:nvSpPr>
+          <p:cNvPr id="4" name="Slide Image Placeholder 3"/>
+          <p:cNvSpPr>
+            <a:spLocks noGrp="1" noRot="1" noChangeAspect="1"/>
+          </p:cNvSpPr>
+          <p:nvPr>
+            <p:ph type="sldImg" idx="2"/>
+          </p:nvPr>
+        </p:nvSpPr>
+        <p:spPr>
+          <a:xfrm>
+            <a:off x="868680" y="1257300"/>
+            <a:ext cx="6035040" cy="3394710"/>
+          </a:xfrm>
+          <a:prstGeom prst="rect">
+            <a:avLst/>
+          </a:prstGeom>
+          <a:noFill/>
+          <a:ln w="12700">
+            <a:solidFill>
+              <a:prstClr val="black"/>
+            </a:solidFill>
+          </a:ln>
+        </p:spPr>
+        <p:txBody>
+          <a:bodyPr vert="horz" lIns="91440" tIns="45720" rIns="91440" bIns="45720" rtlCol="0" anchor="ctr"/>
+          <a:lstStyle/>
+          <a:p>
+            <a:endParaRPr lang="en-US"/>
+          </a:p>
+        </p:txBody>
+      </p:sp>
+      <p:sp>
+        <p:nvSpPr>
+          <p:cNvPr id="5" name="Notes Placeholder 4"/>
+          <p:cNvSpPr>
+            <a:spLocks noGrp="1"/>
+          </p:cNvSpPr>
+          <p:nvPr>
+            <p:ph type="body" sz="quarter" idx="3"/>
+          </p:nvPr>
+        </p:nvSpPr>
+        <p:spPr>
+          <a:xfrm>
+            <a:off x="777240" y="4840605"/>
+            <a:ext cx="6217920" cy="3960495"/>
+          </a:xfrm>
+          <a:prstGeom prst="rect">
+            <a:avLst/>
+          </a:prstGeom>
+        </p:spPr>
+        <p:txBody>
+          <a:bodyPr vert="horz" lIns="91440" tIns="45720" rIns="91440" bIns="45720" rtlCol="0"/>
+          <a:lstStyle/>
+          <a:p>
+            <a:pPr lvl="0"/>
+            <a:r>
+              <a:rPr lang="en-US" smtClean="0"/>
+              <a:t>Click to edit Master text styles</a:t>
+            </a:r>
+            <a:endParaRPr lang="en-US" smtClean="0"/>
+          </a:p>
+          <a:p>
+            <a:pPr lvl="1"/>
+            <a:r>
+              <a:rPr lang="en-US" smtClean="0"/>
+              <a:t>Second level</a:t>
+            </a:r>
+            <a:endParaRPr lang="en-US" smtClean="0"/>
+          </a:p>
+          <a:p>
+            <a:pPr lvl="2"/>
+            <a:r>
+              <a:rPr lang="en-US" smtClean="0"/>
+              <a:t>Third level</a:t>
+            </a:r>
+            <a:endParaRPr lang="en-US" smtClean="0"/>
+          </a:p>
+          <a:p>
+            <a:pPr lvl="3"/>
+            <a:r>
+              <a:rPr lang="en-US" smtClean="0"/>
+              <a:t>Fourth level</a:t>
+            </a:r>
+            <a:endParaRPr lang="en-US" smtClean="0"/>
+          </a:p>
+          <a:p>
+            <a:pPr lvl="4"/>
+            <a:r>
+              <a:rPr lang="en-US" smtClean="0"/>
+              <a:t>Fifth level</a:t>
+            </a:r>
+            <a:endParaRPr lang="en-US"/>
+          </a:p>
+        </p:txBody>
+      </p:sp>
+      <p:sp>
+        <p:nvSpPr>
+          <p:cNvPr id="6" name="Footer Placeholder 5"/>
+          <p:cNvSpPr>
+            <a:spLocks noGrp="1"/>
+          </p:cNvSpPr>
+          <p:nvPr>
+            <p:ph type="ftr" sz="quarter" idx="4"/>
+          </p:nvPr>
+        </p:nvSpPr>
+        <p:spPr>
+          <a:xfrm>
+            <a:off x="0" y="9553734"/>
+            <a:ext cx="3368040" cy="504666"/>
+          </a:xfrm>
+          <a:prstGeom prst="rect">
+            <a:avLst/>
+          </a:prstGeom>
+        </p:spPr>
+        <p:txBody>
+          <a:bodyPr vert="horz" lIns="91440" tIns="45720" rIns="91440" bIns="45720" rtlCol="0" anchor="b"/>
+          <a:lstStyle>
+            <a:lvl1pPr algn="l">
+              <a:defRPr sz="1200"/>
+            </a:lvl1pPr>
+          </a:lstStyle>
+          <a:p>
+            <a:endParaRPr lang="en-US"/>
+          </a:p>
+        </p:txBody>
+      </p:sp>
+      <p:sp>
+        <p:nvSpPr>
+          <p:cNvPr id="7" name="Slide Number Placeholder 6"/>
+          <p:cNvSpPr>
+            <a:spLocks noGrp="1"/>
+          </p:cNvSpPr>
+          <p:nvPr>
+            <p:ph type="sldNum" sz="quarter" idx="5"/>
+          </p:nvPr>
+        </p:nvSpPr>
+        <p:spPr>
+          <a:xfrm>
+            <a:off x="4402561" y="9553734"/>
+            <a:ext cx="3368040" cy="504666"/>
+          </a:xfrm>
+          <a:prstGeom prst="rect">
+            <a:avLst/>
+          </a:prstGeom>
+        </p:spPr>
+        <p:txBody>
+          <a:bodyPr vert="horz" lIns="91440" tIns="45720" rIns="91440" bIns="45720" rtlCol="0" anchor="b"/>
+          <a:lstStyle>
+            <a:lvl1pPr algn="r">
+              <a:defRPr sz="1200"/>
+            </a:lvl1pPr>
+          </a:lstStyle>
+          <a:p>
+            <a:fld id="{21B2AA4F-B828-4D7C-AFD3-893933DAFCB4}" type="slidenum">
+              <a:rPr lang="en-US" smtClean="0"/>
+            </a:fld>
+            <a:endParaRPr lang="en-US"/>
+          </a:p>
+        </p:txBody>
+      </p:sp>
+    </p:spTree>
+  </p:cSld>
+  <p:clrMap bg1="lt1" tx1="dk1" bg2="lt2" tx2="dk2" accent1="accent1" accent2="accent2" accent3="accent3" accent4="accent4" accent5="accent5" accent6="accent6" hlink="hlink" folHlink="folHlink"/>
+  <p:notesStyle>
+    <a:lvl1pPr marL="0" algn="l" defTabSz="914400" rtl="0" eaLnBrk="1" latinLnBrk="0" hangingPunct="1">
+      <a:defRPr sz="1200" kern="1200">
+        <a:solidFill>
+          <a:schemeClr val="tx1"/>
+        </a:solidFill>
+        <a:latin typeface="+mn-lt"/>
+        <a:ea typeface="+mn-ea"/>
+        <a:cs typeface="+mn-cs"/>
+      </a:defRPr>
+    </a:lvl1pPr>
+    <a:lvl2pPr marL="457200" algn="l" defTabSz="914400" rtl="0" eaLnBrk="1" latinLnBrk="0" hangingPunct="1">
+      <a:defRPr sz="1200" kern="1200">
+        <a:solidFill>
+          <a:schemeClr val="tx1"/>
+        </a:solidFill>
+        <a:latin typeface="+mn-lt"/>
+        <a:ea typeface="+mn-ea"/>
+        <a:cs typeface="+mn-cs"/>
+      </a:defRPr>
+    </a:lvl2pPr>
+    <a:lvl3pPr marL="914400" algn="l" defTabSz="914400" rtl="0" eaLnBrk="1" latinLnBrk="0" hangingPunct="1">
+      <a:defRPr sz="1200" kern="1200">
+        <a:solidFill>
+          <a:schemeClr val="tx1"/>
+        </a:solidFill>
+        <a:latin typeface="+mn-lt"/>
+        <a:ea typeface="+mn-ea"/>
+        <a:cs typeface="+mn-cs"/>
+      </a:defRPr>
+    </a:lvl3pPr>
+    <a:lvl4pPr marL="1371600" algn="l" defTabSz="914400" rtl="0" eaLnBrk="1" latinLnBrk="0" hangingPunct="1">
+      <a:defRPr sz="1200" kern="1200">
+        <a:solidFill>
+          <a:schemeClr val="tx1"/>
+        </a:solidFill>
+        <a:latin typeface="+mn-lt"/>
+        <a:ea typeface="+mn-ea"/>
+        <a:cs typeface="+mn-cs"/>
+      </a:defRPr>
+    </a:lvl4pPr>
+    <a:lvl5pPr marL="1828800" algn="l" defTabSz="914400" rtl="0" eaLnBrk="1" latinLnBrk="0" hangingPunct="1">
+      <a:defRPr sz="1200" kern="1200">
+        <a:solidFill>
+          <a:schemeClr val="tx1"/>
+        </a:solidFill>
+        <a:latin typeface="+mn-lt"/>
+        <a:ea typeface="+mn-ea"/>
+        <a:cs typeface="+mn-cs"/>
+      </a:defRPr>
+    </a:lvl5pPr>
+    <a:lvl6pPr marL="2286000" algn="l" defTabSz="914400" rtl="0" eaLnBrk="1" latinLnBrk="0" hangingPunct="1">
+      <a:defRPr sz="1200" kern="1200">
+        <a:solidFill>
+          <a:schemeClr val="tx1"/>
+        </a:solidFill>
+        <a:latin typeface="+mn-lt"/>
+        <a:ea typeface="+mn-ea"/>
+        <a:cs typeface="+mn-cs"/>
+      </a:defRPr>
+    </a:lvl6pPr>
+    <a:lvl7pPr marL="2743200" algn="l" defTabSz="914400" rtl="0" eaLnBrk="1" latinLnBrk="0" hangingPunct="1">
+      <a:defRPr sz="1200" kern="1200">
+        <a:solidFill>
+          <a:schemeClr val="tx1"/>
+        </a:solidFill>
+        <a:latin typeface="+mn-lt"/>
+        <a:ea typeface="+mn-ea"/>
+        <a:cs typeface="+mn-cs"/>
+      </a:defRPr>
+    </a:lvl7pPr>
+    <a:lvl8pPr marL="3200400" algn="l" defTabSz="914400" rtl="0" eaLnBrk="1" latinLnBrk="0" hangingPunct="1">
+      <a:defRPr sz="1200" kern="1200">
+        <a:solidFill>
+          <a:schemeClr val="tx1"/>
+        </a:solidFill>
+        <a:latin typeface="+mn-lt"/>
+        <a:ea typeface="+mn-ea"/>
+        <a:cs typeface="+mn-cs"/>
+      </a:defRPr>
+    </a:lvl8pPr>
+    <a:lvl9pPr marL="3657600" algn="l" defTabSz="914400" rtl="0" eaLnBrk="1" latinLnBrk="0" hangingPunct="1">
+      <a:defRPr sz="1200" kern="1200">
+        <a:solidFill>
+          <a:schemeClr val="tx1"/>
+        </a:solidFill>
+        <a:latin typeface="+mn-lt"/>
+        <a:ea typeface="+mn-ea"/>
+        <a:cs typeface="+mn-cs"/>
+      </a:defRPr>
+    </a:lvl9pPr>
+  </p:notesStyle>
+</p:notesMaster>
+</file>
+
+<file path=ppt/notesSlides/notesSlide1.xml><?xml version="1.0" encoding="utf-8"?>
+<p:notes xmlns:a="http://schemas.openxmlformats.org/drawingml/2006/main" xmlns:r="http://schemas.openxmlformats.org/officeDocument/2006/relationships" xmlns:p="http://schemas.openxmlformats.org/presentationml/2006/main">
+  <p:cSld>
+    <p:spTree>
+      <p:nvGrpSpPr>
+        <p:cNvPr id="1" name=""/>
+        <p:cNvGrpSpPr/>
+        <p:nvPr/>
+      </p:nvGrpSpPr>
+      <p:grpSpPr/>
+      <p:sp>
+        <p:nvSpPr>
+          <p:cNvPr id="2" name="Slide Image Placeholder 1"/>
+          <p:cNvSpPr/>
+          <p:nvPr>
+            <p:ph type="sldImg" idx="2"/>
+          </p:nvPr>
+        </p:nvSpPr>
+        <p:spPr/>
+      </p:sp>
+      <p:sp>
+        <p:nvSpPr>
+          <p:cNvPr id="3" name="Text Placeholder 2"/>
+          <p:cNvSpPr/>
+          <p:nvPr>
+            <p:ph type="body" idx="3"/>
+          </p:nvPr>
+        </p:nvSpPr>
+        <p:spPr/>
+        <p:txBody>
+          <a:bodyPr/>
+          <a:p>
+            <a:endParaRPr lang="en-US"/>
+          </a:p>
+        </p:txBody>
+      </p:sp>
+    </p:spTree>
+  </p:cSld>
+  <p:clrMapOvr>
+    <a:masterClrMapping/>
+  </p:clrMapOvr>
+</p:notes>
+</file>
+
+<file path=ppt/notesSlides/notesSlide2.xml><?xml version="1.0" encoding="utf-8"?>
+<p:notes xmlns:a="http://schemas.openxmlformats.org/drawingml/2006/main" xmlns:r="http://schemas.openxmlformats.org/officeDocument/2006/relationships" xmlns:p="http://schemas.openxmlformats.org/presentationml/2006/main">
+  <p:cSld>
+    <p:spTree>
+      <p:nvGrpSpPr>
+        <p:cNvPr id="1" name=""/>
+        <p:cNvGrpSpPr/>
+        <p:nvPr/>
+      </p:nvGrpSpPr>
+      <p:grpSpPr/>
+      <p:sp>
+        <p:nvSpPr>
+          <p:cNvPr id="2" name="Slide Image Placeholder 1"/>
+          <p:cNvSpPr/>
+          <p:nvPr>
+            <p:ph type="sldImg" idx="2"/>
+          </p:nvPr>
+        </p:nvSpPr>
+        <p:spPr/>
+      </p:sp>
+      <p:sp>
+        <p:nvSpPr>
+          <p:cNvPr id="3" name="Text Placeholder 2"/>
+          <p:cNvSpPr/>
+          <p:nvPr>
+            <p:ph type="body" idx="3"/>
+          </p:nvPr>
+        </p:nvSpPr>
+        <p:spPr/>
+        <p:txBody>
+          <a:bodyPr/>
+          <a:p>
+            <a:endParaRPr lang="en-US"/>
+          </a:p>
+        </p:txBody>
+      </p:sp>
+    </p:spTree>
+  </p:cSld>
+  <p:clrMapOvr>
+    <a:masterClrMapping/>
+  </p:clrMapOvr>
+</p:notes>
+</file>
+
 <file path=ppt/slideLayouts/slideLayout1.xml><?xml version="1.0" encoding="utf-8"?>
 <p:sldLayout xmlns:a="http://schemas.openxmlformats.org/drawingml/2006/main" xmlns:r="http://schemas.openxmlformats.org/officeDocument/2006/relationships" xmlns:p="http://schemas.openxmlformats.org/presentationml/2006/main" type="blank" preserve="1">
   <p:cSld name="Blank Slide">
@@ -2905,6 +3345,234 @@
       </p:par>
     </p:tnLst>
   </p:timing>
+</p:sld>
+</file>
+
+<file path=ppt/slides/slide10.xml><?xml version="1.0" encoding="utf-8"?>
+<p:sld xmlns:a="http://schemas.openxmlformats.org/drawingml/2006/main" xmlns:r="http://schemas.openxmlformats.org/officeDocument/2006/relationships" xmlns:p="http://schemas.openxmlformats.org/presentationml/2006/main">
+  <p:cSld>
+    <p:spTree>
+      <p:nvGrpSpPr>
+        <p:cNvPr id="1" name=""/>
+        <p:cNvGrpSpPr/>
+        <p:nvPr/>
+      </p:nvGrpSpPr>
+      <p:grpSpPr/>
+      <p:pic>
+        <p:nvPicPr>
+          <p:cNvPr id="2" name="Picture 1"/>
+          <p:cNvPicPr>
+            <a:picLocks noChangeAspect="1"/>
+          </p:cNvPicPr>
+          <p:nvPr/>
+        </p:nvPicPr>
+        <p:blipFill>
+          <a:blip r:embed="rId1"/>
+          <a:stretch>
+            <a:fillRect/>
+          </a:stretch>
+        </p:blipFill>
+        <p:spPr>
+          <a:xfrm>
+            <a:off x="271145" y="12065"/>
+            <a:ext cx="11650345" cy="6833870"/>
+          </a:xfrm>
+          <a:prstGeom prst="rect">
+            <a:avLst/>
+          </a:prstGeom>
+        </p:spPr>
+      </p:pic>
+      <p:cxnSp>
+        <p:nvCxnSpPr>
+          <p:cNvPr id="5" name="Straight Connector 4"/>
+          <p:cNvCxnSpPr/>
+          <p:nvPr/>
+        </p:nvCxnSpPr>
+        <p:spPr>
+          <a:xfrm>
+            <a:off x="1415415" y="4220845"/>
+            <a:ext cx="1008380" cy="0"/>
+          </a:xfrm>
+          <a:prstGeom prst="line">
+            <a:avLst/>
+          </a:prstGeom>
+          <a:ln w="19050">
+            <a:solidFill>
+              <a:srgbClr val="C00000"/>
+            </a:solidFill>
+            <a:prstDash val="lgDash"/>
+          </a:ln>
+        </p:spPr>
+        <p:style>
+          <a:lnRef idx="1">
+            <a:schemeClr val="accent1"/>
+          </a:lnRef>
+          <a:fillRef idx="0">
+            <a:schemeClr val="accent1"/>
+          </a:fillRef>
+          <a:effectRef idx="0">
+            <a:schemeClr val="accent1"/>
+          </a:effectRef>
+          <a:fontRef idx="minor">
+            <a:schemeClr val="tx1"/>
+          </a:fontRef>
+        </p:style>
+      </p:cxnSp>
+      <p:cxnSp>
+        <p:nvCxnSpPr>
+          <p:cNvPr id="7" name="Straight Connector 6"/>
+          <p:cNvCxnSpPr/>
+          <p:nvPr/>
+        </p:nvCxnSpPr>
+        <p:spPr>
+          <a:xfrm>
+            <a:off x="2352040" y="4220845"/>
+            <a:ext cx="0" cy="1008380"/>
+          </a:xfrm>
+          <a:prstGeom prst="line">
+            <a:avLst/>
+          </a:prstGeom>
+          <a:ln w="19050">
+            <a:solidFill>
+              <a:srgbClr val="C00000"/>
+            </a:solidFill>
+            <a:prstDash val="lgDash"/>
+          </a:ln>
+        </p:spPr>
+        <p:style>
+          <a:lnRef idx="1">
+            <a:schemeClr val="accent1"/>
+          </a:lnRef>
+          <a:fillRef idx="0">
+            <a:schemeClr val="accent1"/>
+          </a:fillRef>
+          <a:effectRef idx="0">
+            <a:schemeClr val="accent1"/>
+          </a:effectRef>
+          <a:fontRef idx="minor">
+            <a:schemeClr val="tx1"/>
+          </a:fontRef>
+        </p:style>
+      </p:cxnSp>
+    </p:spTree>
+  </p:cSld>
+  <p:clrMapOvr>
+    <a:masterClrMapping/>
+  </p:clrMapOvr>
+</p:sld>
+</file>
+
+<file path=ppt/slides/slide11.xml><?xml version="1.0" encoding="utf-8"?>
+<p:sld xmlns:a="http://schemas.openxmlformats.org/drawingml/2006/main" xmlns:r="http://schemas.openxmlformats.org/officeDocument/2006/relationships" xmlns:p="http://schemas.openxmlformats.org/presentationml/2006/main">
+  <p:cSld>
+    <p:spTree>
+      <p:nvGrpSpPr>
+        <p:cNvPr id="1" name=""/>
+        <p:cNvGrpSpPr/>
+        <p:nvPr/>
+      </p:nvGrpSpPr>
+      <p:grpSpPr/>
+      <p:pic>
+        <p:nvPicPr>
+          <p:cNvPr id="3" name="Picture 2"/>
+          <p:cNvPicPr>
+            <a:picLocks noChangeAspect="1"/>
+          </p:cNvPicPr>
+          <p:nvPr/>
+        </p:nvPicPr>
+        <p:blipFill>
+          <a:blip r:embed="rId1"/>
+          <a:stretch>
+            <a:fillRect/>
+          </a:stretch>
+        </p:blipFill>
+        <p:spPr>
+          <a:xfrm>
+            <a:off x="684530" y="24765"/>
+            <a:ext cx="10823575" cy="6808470"/>
+          </a:xfrm>
+          <a:prstGeom prst="rect">
+            <a:avLst/>
+          </a:prstGeom>
+        </p:spPr>
+      </p:pic>
+      <p:cxnSp>
+        <p:nvCxnSpPr>
+          <p:cNvPr id="5" name="Straight Connector 4"/>
+          <p:cNvCxnSpPr/>
+          <p:nvPr/>
+        </p:nvCxnSpPr>
+        <p:spPr>
+          <a:xfrm>
+            <a:off x="1576070" y="4004945"/>
+            <a:ext cx="559435" cy="0"/>
+          </a:xfrm>
+          <a:prstGeom prst="line">
+            <a:avLst/>
+          </a:prstGeom>
+          <a:ln w="19050">
+            <a:solidFill>
+              <a:srgbClr val="C00000"/>
+            </a:solidFill>
+            <a:prstDash val="lgDash"/>
+          </a:ln>
+        </p:spPr>
+        <p:style>
+          <a:lnRef idx="1">
+            <a:schemeClr val="accent1"/>
+          </a:lnRef>
+          <a:fillRef idx="0">
+            <a:schemeClr val="accent1"/>
+          </a:fillRef>
+          <a:effectRef idx="0">
+            <a:schemeClr val="accent1"/>
+          </a:effectRef>
+          <a:fontRef idx="minor">
+            <a:schemeClr val="tx1"/>
+          </a:fontRef>
+        </p:style>
+      </p:cxnSp>
+      <p:cxnSp>
+        <p:nvCxnSpPr>
+          <p:cNvPr id="7" name="Straight Connector 6"/>
+          <p:cNvCxnSpPr/>
+          <p:nvPr/>
+        </p:nvCxnSpPr>
+        <p:spPr>
+          <a:xfrm>
+            <a:off x="2135505" y="4004945"/>
+            <a:ext cx="0" cy="1656080"/>
+          </a:xfrm>
+          <a:prstGeom prst="line">
+            <a:avLst/>
+          </a:prstGeom>
+          <a:ln w="19050">
+            <a:solidFill>
+              <a:srgbClr val="C00000"/>
+            </a:solidFill>
+            <a:prstDash val="lgDash"/>
+          </a:ln>
+        </p:spPr>
+        <p:style>
+          <a:lnRef idx="1">
+            <a:schemeClr val="accent1"/>
+          </a:lnRef>
+          <a:fillRef idx="0">
+            <a:schemeClr val="accent1"/>
+          </a:fillRef>
+          <a:effectRef idx="0">
+            <a:schemeClr val="accent1"/>
+          </a:effectRef>
+          <a:fontRef idx="minor">
+            <a:schemeClr val="tx1"/>
+          </a:fontRef>
+        </p:style>
+      </p:cxnSp>
+    </p:spTree>
+  </p:cSld>
+  <p:clrMapOvr>
+    <a:masterClrMapping/>
+  </p:clrMapOvr>
 </p:sld>
 </file>
 
@@ -7478,4 +8146,263 @@
     </a:ext>
   </a:extLst>
 </a:theme>
+</file>
+
+<file path=ppt/theme/theme2.xml><?xml version="1.0" encoding="utf-8"?>
+<a:theme xmlns:a="http://schemas.openxmlformats.org/drawingml/2006/main" name="Office Theme">
+  <a:themeElements>
+    <a:clrScheme name="Office">
+      <a:dk1>
+        <a:sysClr val="windowText" lastClr="000000"/>
+      </a:dk1>
+      <a:lt1>
+        <a:sysClr val="window" lastClr="FFFFFF"/>
+      </a:lt1>
+      <a:dk2>
+        <a:srgbClr val="44546A"/>
+      </a:dk2>
+      <a:lt2>
+        <a:srgbClr val="E7E6E6"/>
+      </a:lt2>
+      <a:accent1>
+        <a:srgbClr val="5B9BD5"/>
+      </a:accent1>
+      <a:accent2>
+        <a:srgbClr val="ED7D31"/>
+      </a:accent2>
+      <a:accent3>
+        <a:srgbClr val="A5A5A5"/>
+      </a:accent3>
+      <a:accent4>
+        <a:srgbClr val="FFC000"/>
+      </a:accent4>
+      <a:accent5>
+        <a:srgbClr val="4472C4"/>
+      </a:accent5>
+      <a:accent6>
+        <a:srgbClr val="70AD47"/>
+      </a:accent6>
+      <a:hlink>
+        <a:srgbClr val="0563C1"/>
+      </a:hlink>
+      <a:folHlink>
+        <a:srgbClr val="954F72"/>
+      </a:folHlink>
+    </a:clrScheme>
+    <a:fontScheme name="Office">
+      <a:majorFont>
+        <a:latin typeface="Calibri Light"/>
+        <a:ea typeface=""/>
+        <a:cs typeface=""/>
+        <a:font script="Jpan" typeface="ＭＳ Ｐゴシック"/>
+        <a:font script="Hang" typeface="맑은 고딕"/>
+        <a:font script="Hans" typeface="宋体"/>
+        <a:font script="Hant" typeface="新細明體"/>
+        <a:font script="Arab" typeface="Times New Roman"/>
+        <a:font script="Hebr" typeface="Times New Roman"/>
+        <a:font script="Thai" typeface="Angsana New"/>
+        <a:font script="Ethi" typeface="Nyala"/>
+        <a:font script="Beng" typeface="Vrinda"/>
+        <a:font script="Gujr" typeface="Shruti"/>
+        <a:font script="Khmr" typeface="MoolBoran"/>
+        <a:font script="Knda" typeface="Tunga"/>
+        <a:font script="Guru" typeface="Raavi"/>
+        <a:font script="Cans" typeface="Euphemia"/>
+        <a:font script="Cher" typeface="Plantagenet Cherokee"/>
+        <a:font script="Yiii" typeface="Microsoft Yi Baiti"/>
+        <a:font script="Tibt" typeface="Microsoft Himalaya"/>
+        <a:font script="Thaa" typeface="MV Boli"/>
+        <a:font script="Deva" typeface="Mangal"/>
+        <a:font script="Telu" typeface="Gautami"/>
+        <a:font script="Taml" typeface="Latha"/>
+        <a:font script="Syrc" typeface="Estrangelo Edessa"/>
+        <a:font script="Orya" typeface="Kalinga"/>
+        <a:font script="Mlym" typeface="Kartika"/>
+        <a:font script="Laoo" typeface="DokChampa"/>
+        <a:font script="Sinh" typeface="Iskoola Pota"/>
+        <a:font script="Mong" typeface="Mongolian Baiti"/>
+        <a:font script="Viet" typeface="Times New Roman"/>
+        <a:font script="Uigh" typeface="Microsoft Uighur"/>
+        <a:font script="Geor" typeface="Sylfaen"/>
+      </a:majorFont>
+      <a:minorFont>
+        <a:latin typeface="Calibri"/>
+        <a:ea typeface=""/>
+        <a:cs typeface=""/>
+        <a:font script="Jpan" typeface="ＭＳ Ｐゴシック"/>
+        <a:font script="Hang" typeface="맑은 고딕"/>
+        <a:font script="Hans" typeface="宋体"/>
+        <a:font script="Hant" typeface="新細明體"/>
+        <a:font script="Arab" typeface="Arial"/>
+        <a:font script="Hebr" typeface="Arial"/>
+        <a:font script="Thai" typeface="Cordia New"/>
+        <a:font script="Ethi" typeface="Nyala"/>
+        <a:font script="Beng" typeface="Vrinda"/>
+        <a:font script="Gujr" typeface="Shruti"/>
+        <a:font script="Khmr" typeface="DaunPenh"/>
+        <a:font script="Knda" typeface="Tunga"/>
+        <a:font script="Guru" typeface="Raavi"/>
+        <a:font script="Cans" typeface="Euphemia"/>
+        <a:font script="Cher" typeface="Plantagenet Cherokee"/>
+        <a:font script="Yiii" typeface="Microsoft Yi Baiti"/>
+        <a:font script="Tibt" typeface="Microsoft Himalaya"/>
+        <a:font script="Thaa" typeface="MV Boli"/>
+        <a:font script="Deva" typeface="Mangal"/>
+        <a:font script="Telu" typeface="Gautami"/>
+        <a:font script="Taml" typeface="Latha"/>
+        <a:font script="Syrc" typeface="Estrangelo Edessa"/>
+        <a:font script="Orya" typeface="Kalinga"/>
+        <a:font script="Mlym" typeface="Kartika"/>
+        <a:font script="Laoo" typeface="DokChampa"/>
+        <a:font script="Sinh" typeface="Iskoola Pota"/>
+        <a:font script="Mong" typeface="Mongolian Baiti"/>
+        <a:font script="Viet" typeface="Arial"/>
+        <a:font script="Uigh" typeface="Microsoft Uighur"/>
+        <a:font script="Geor" typeface="Sylfaen"/>
+      </a:minorFont>
+    </a:fontScheme>
+    <a:fmtScheme name="Office">
+      <a:fillStyleLst>
+        <a:solidFill>
+          <a:schemeClr val="phClr"/>
+        </a:solidFill>
+        <a:gradFill rotWithShape="1">
+          <a:gsLst>
+            <a:gs pos="0">
+              <a:schemeClr val="phClr">
+                <a:lumMod val="110000"/>
+                <a:satMod val="105000"/>
+                <a:tint val="67000"/>
+              </a:schemeClr>
+            </a:gs>
+            <a:gs pos="50000">
+              <a:schemeClr val="phClr">
+                <a:lumMod val="105000"/>
+                <a:satMod val="103000"/>
+                <a:tint val="73000"/>
+              </a:schemeClr>
+            </a:gs>
+            <a:gs pos="100000">
+              <a:schemeClr val="phClr">
+                <a:lumMod val="105000"/>
+                <a:satMod val="109000"/>
+                <a:tint val="81000"/>
+              </a:schemeClr>
+            </a:gs>
+          </a:gsLst>
+          <a:lin ang="5400000" scaled="0"/>
+        </a:gradFill>
+        <a:gradFill rotWithShape="1">
+          <a:gsLst>
+            <a:gs pos="0">
+              <a:schemeClr val="phClr">
+                <a:satMod val="103000"/>
+                <a:lumMod val="102000"/>
+                <a:tint val="94000"/>
+              </a:schemeClr>
+            </a:gs>
+            <a:gs pos="50000">
+              <a:schemeClr val="phClr">
+                <a:satMod val="110000"/>
+                <a:lumMod val="100000"/>
+                <a:shade val="100000"/>
+              </a:schemeClr>
+            </a:gs>
+            <a:gs pos="100000">
+              <a:schemeClr val="phClr">
+                <a:lumMod val="99000"/>
+                <a:satMod val="120000"/>
+                <a:shade val="78000"/>
+              </a:schemeClr>
+            </a:gs>
+          </a:gsLst>
+          <a:lin ang="5400000" scaled="0"/>
+        </a:gradFill>
+      </a:fillStyleLst>
+      <a:lnStyleLst>
+        <a:ln w="6350" cap="flat" cmpd="sng" algn="ctr">
+          <a:solidFill>
+            <a:schemeClr val="phClr"/>
+          </a:solidFill>
+          <a:prstDash val="solid"/>
+          <a:miter lim="800000"/>
+        </a:ln>
+        <a:ln w="12700" cap="flat" cmpd="sng" algn="ctr">
+          <a:solidFill>
+            <a:schemeClr val="phClr"/>
+          </a:solidFill>
+          <a:prstDash val="solid"/>
+          <a:miter lim="800000"/>
+        </a:ln>
+        <a:ln w="19050" cap="flat" cmpd="sng" algn="ctr">
+          <a:solidFill>
+            <a:schemeClr val="phClr"/>
+          </a:solidFill>
+          <a:prstDash val="solid"/>
+          <a:miter lim="800000"/>
+        </a:ln>
+      </a:lnStyleLst>
+      <a:effectStyleLst>
+        <a:effectStyle>
+          <a:effectLst/>
+        </a:effectStyle>
+        <a:effectStyle>
+          <a:effectLst/>
+        </a:effectStyle>
+        <a:effectStyle>
+          <a:effectLst>
+            <a:outerShdw blurRad="57150" dist="19050" dir="5400000" algn="ctr" rotWithShape="0">
+              <a:srgbClr val="000000">
+                <a:alpha val="63000"/>
+              </a:srgbClr>
+            </a:outerShdw>
+          </a:effectLst>
+        </a:effectStyle>
+      </a:effectStyleLst>
+      <a:bgFillStyleLst>
+        <a:solidFill>
+          <a:schemeClr val="phClr"/>
+        </a:solidFill>
+        <a:solidFill>
+          <a:schemeClr val="phClr">
+            <a:tint val="95000"/>
+            <a:satMod val="170000"/>
+          </a:schemeClr>
+        </a:solidFill>
+        <a:gradFill rotWithShape="1">
+          <a:gsLst>
+            <a:gs pos="0">
+              <a:schemeClr val="phClr">
+                <a:tint val="93000"/>
+                <a:satMod val="150000"/>
+                <a:shade val="98000"/>
+                <a:lumMod val="102000"/>
+              </a:schemeClr>
+            </a:gs>
+            <a:gs pos="50000">
+              <a:schemeClr val="phClr">
+                <a:tint val="98000"/>
+                <a:satMod val="130000"/>
+                <a:shade val="90000"/>
+                <a:lumMod val="103000"/>
+              </a:schemeClr>
+            </a:gs>
+            <a:gs pos="100000">
+              <a:schemeClr val="phClr">
+                <a:shade val="63000"/>
+                <a:satMod val="120000"/>
+              </a:schemeClr>
+            </a:gs>
+          </a:gsLst>
+          <a:lin ang="5400000" scaled="0"/>
+        </a:gradFill>
+      </a:bgFillStyleLst>
+    </a:fmtScheme>
+  </a:themeElements>
+  <a:extLst>
+    <a:ext uri="{05A4C25C-085E-4340-85A3-A5531E510DB2}">
+      <thm15:themeFamily xmlns:thm15="http://schemas.microsoft.com/office/thememl/2012/main" name="Office Theme" id="{62F939B6-93AF-4DB8-9C6B-D6C7DFDC589F}" vid="{4A3C46E8-61CC-4603-A589-7422A47A8E4A}"/>
+    </a:ext>
+  </a:extLst>
+</a:theme>
 </file>
--- a/tex/rc/figures.pptx
+++ b/tex/rc/figures.pptx
@@ -3391,7 +3391,7 @@
         <p:spPr>
           <a:xfrm>
             <a:off x="1415415" y="4220845"/>
-            <a:ext cx="1008380" cy="0"/>
+            <a:ext cx="504190" cy="0"/>
           </a:xfrm>
           <a:prstGeom prst="line">
             <a:avLst/>
@@ -3426,7 +3426,7 @@
         </p:nvCxnSpPr>
         <p:spPr>
           <a:xfrm>
-            <a:off x="2352040" y="4220845"/>
+            <a:off x="1919605" y="4220845"/>
             <a:ext cx="0" cy="1008380"/>
           </a:xfrm>
           <a:prstGeom prst="line">
